--- a/Syllabus.pptx
+++ b/Syllabus.pptx
@@ -5,23 +5,31 @@
     <p:sldMasterId id="2147483660" r:id="rId1"/>
   </p:sldMasterIdLst>
   <p:notesMasterIdLst>
-    <p:notesMasterId r:id="rId16"/>
+    <p:notesMasterId r:id="rId24"/>
   </p:notesMasterIdLst>
   <p:sldIdLst>
     <p:sldId id="256" r:id="rId2"/>
     <p:sldId id="257" r:id="rId3"/>
     <p:sldId id="259" r:id="rId4"/>
-    <p:sldId id="263" r:id="rId5"/>
-    <p:sldId id="264" r:id="rId6"/>
-    <p:sldId id="258" r:id="rId7"/>
-    <p:sldId id="262" r:id="rId8"/>
-    <p:sldId id="265" r:id="rId9"/>
-    <p:sldId id="266" r:id="rId10"/>
-    <p:sldId id="260" r:id="rId11"/>
-    <p:sldId id="261" r:id="rId12"/>
-    <p:sldId id="267" r:id="rId13"/>
-    <p:sldId id="268" r:id="rId14"/>
-    <p:sldId id="269" r:id="rId15"/>
+    <p:sldId id="277" r:id="rId5"/>
+    <p:sldId id="263" r:id="rId6"/>
+    <p:sldId id="264" r:id="rId7"/>
+    <p:sldId id="258" r:id="rId8"/>
+    <p:sldId id="260" r:id="rId9"/>
+    <p:sldId id="261" r:id="rId10"/>
+    <p:sldId id="262" r:id="rId11"/>
+    <p:sldId id="265" r:id="rId12"/>
+    <p:sldId id="266" r:id="rId13"/>
+    <p:sldId id="270" r:id="rId14"/>
+    <p:sldId id="271" r:id="rId15"/>
+    <p:sldId id="272" r:id="rId16"/>
+    <p:sldId id="273" r:id="rId17"/>
+    <p:sldId id="274" r:id="rId18"/>
+    <p:sldId id="275" r:id="rId19"/>
+    <p:sldId id="267" r:id="rId20"/>
+    <p:sldId id="268" r:id="rId21"/>
+    <p:sldId id="276" r:id="rId22"/>
+    <p:sldId id="269" r:id="rId23"/>
   </p:sldIdLst>
   <p:sldSz cx="12192000" cy="6858000"/>
   <p:notesSz cx="6858000" cy="9144000"/>
@@ -132,22 +140,33 @@
         <p14:section name="Dia 1" id="{68D64A6D-2EFE-4E90-B61A-5520FFA5A5C3}">
           <p14:sldIdLst>
             <p14:sldId id="259"/>
+            <p14:sldId id="277"/>
             <p14:sldId id="263"/>
             <p14:sldId id="264"/>
             <p14:sldId id="258"/>
+            <p14:sldId id="260"/>
+            <p14:sldId id="261"/>
             <p14:sldId id="262"/>
             <p14:sldId id="265"/>
             <p14:sldId id="266"/>
-            <p14:sldId id="260"/>
-            <p14:sldId id="261"/>
+            <p14:sldId id="270"/>
+            <p14:sldId id="271"/>
+            <p14:sldId id="272"/>
+            <p14:sldId id="273"/>
+            <p14:sldId id="274"/>
+            <p14:sldId id="275"/>
             <p14:sldId id="267"/>
           </p14:sldIdLst>
         </p14:section>
         <p14:section name="Dia 2" id="{1BA660EE-1EC0-414C-B7EC-C0BFFA6A7D44}">
           <p14:sldIdLst>
             <p14:sldId id="268"/>
+            <p14:sldId id="276"/>
             <p14:sldId id="269"/>
           </p14:sldIdLst>
+        </p14:section>
+        <p14:section name="Dia 3" id="{8685E034-0709-4CC6-A1CE-514959DBCE21}">
+          <p14:sldIdLst/>
         </p14:section>
       </p14:sectionLst>
     </p:ext>
@@ -240,7 +259,7 @@
           <a:p>
             <a:fld id="{2BF385C6-ADDE-40FA-BBEE-B3B7F331DE6C}" type="datetimeFigureOut">
               <a:rPr lang="es-419" smtClean="0"/>
-              <a:t>19/1/2022</a:t>
+              <a:t>26/1/2022</a:t>
             </a:fld>
             <a:endParaRPr lang="es-419"/>
           </a:p>
@@ -690,7 +709,7 @@
           <a:p>
             <a:fld id="{EA1F6726-75C3-4F6A-8018-23359A8CC7F8}" type="slidenum">
               <a:rPr lang="es-419" smtClean="0"/>
-              <a:t>11</a:t>
+              <a:t>9</a:t>
             </a:fld>
             <a:endParaRPr lang="es-419"/>
           </a:p>
@@ -840,7 +859,7 @@
           <a:p>
             <a:fld id="{15228465-49CF-412C-AA3A-EAC8FECF325A}" type="datetimeFigureOut">
               <a:rPr lang="es-419" smtClean="0"/>
-              <a:t>19/1/2022</a:t>
+              <a:t>26/1/2022</a:t>
             </a:fld>
             <a:endParaRPr lang="es-419"/>
           </a:p>
@@ -1010,7 +1029,7 @@
           <a:p>
             <a:fld id="{15228465-49CF-412C-AA3A-EAC8FECF325A}" type="datetimeFigureOut">
               <a:rPr lang="es-419" smtClean="0"/>
-              <a:t>19/1/2022</a:t>
+              <a:t>26/1/2022</a:t>
             </a:fld>
             <a:endParaRPr lang="es-419"/>
           </a:p>
@@ -1190,7 +1209,7 @@
           <a:p>
             <a:fld id="{15228465-49CF-412C-AA3A-EAC8FECF325A}" type="datetimeFigureOut">
               <a:rPr lang="es-419" smtClean="0"/>
-              <a:t>19/1/2022</a:t>
+              <a:t>26/1/2022</a:t>
             </a:fld>
             <a:endParaRPr lang="es-419"/>
           </a:p>
@@ -1360,7 +1379,7 @@
           <a:p>
             <a:fld id="{15228465-49CF-412C-AA3A-EAC8FECF325A}" type="datetimeFigureOut">
               <a:rPr lang="es-419" smtClean="0"/>
-              <a:t>19/1/2022</a:t>
+              <a:t>26/1/2022</a:t>
             </a:fld>
             <a:endParaRPr lang="es-419"/>
           </a:p>
@@ -1606,7 +1625,7 @@
           <a:p>
             <a:fld id="{15228465-49CF-412C-AA3A-EAC8FECF325A}" type="datetimeFigureOut">
               <a:rPr lang="es-419" smtClean="0"/>
-              <a:t>19/1/2022</a:t>
+              <a:t>26/1/2022</a:t>
             </a:fld>
             <a:endParaRPr lang="es-419"/>
           </a:p>
@@ -1838,7 +1857,7 @@
           <a:p>
             <a:fld id="{15228465-49CF-412C-AA3A-EAC8FECF325A}" type="datetimeFigureOut">
               <a:rPr lang="es-419" smtClean="0"/>
-              <a:t>19/1/2022</a:t>
+              <a:t>26/1/2022</a:t>
             </a:fld>
             <a:endParaRPr lang="es-419"/>
           </a:p>
@@ -2205,7 +2224,7 @@
           <a:p>
             <a:fld id="{15228465-49CF-412C-AA3A-EAC8FECF325A}" type="datetimeFigureOut">
               <a:rPr lang="es-419" smtClean="0"/>
-              <a:t>19/1/2022</a:t>
+              <a:t>26/1/2022</a:t>
             </a:fld>
             <a:endParaRPr lang="es-419"/>
           </a:p>
@@ -2323,7 +2342,7 @@
           <a:p>
             <a:fld id="{15228465-49CF-412C-AA3A-EAC8FECF325A}" type="datetimeFigureOut">
               <a:rPr lang="es-419" smtClean="0"/>
-              <a:t>19/1/2022</a:t>
+              <a:t>26/1/2022</a:t>
             </a:fld>
             <a:endParaRPr lang="es-419"/>
           </a:p>
@@ -2418,7 +2437,7 @@
           <a:p>
             <a:fld id="{15228465-49CF-412C-AA3A-EAC8FECF325A}" type="datetimeFigureOut">
               <a:rPr lang="es-419" smtClean="0"/>
-              <a:t>19/1/2022</a:t>
+              <a:t>26/1/2022</a:t>
             </a:fld>
             <a:endParaRPr lang="es-419"/>
           </a:p>
@@ -2695,7 +2714,7 @@
           <a:p>
             <a:fld id="{15228465-49CF-412C-AA3A-EAC8FECF325A}" type="datetimeFigureOut">
               <a:rPr lang="es-419" smtClean="0"/>
-              <a:t>19/1/2022</a:t>
+              <a:t>26/1/2022</a:t>
             </a:fld>
             <a:endParaRPr lang="es-419"/>
           </a:p>
@@ -2952,7 +2971,7 @@
           <a:p>
             <a:fld id="{15228465-49CF-412C-AA3A-EAC8FECF325A}" type="datetimeFigureOut">
               <a:rPr lang="es-419" smtClean="0"/>
-              <a:t>19/1/2022</a:t>
+              <a:t>26/1/2022</a:t>
             </a:fld>
             <a:endParaRPr lang="es-419"/>
           </a:p>
@@ -3165,7 +3184,7 @@
           <a:p>
             <a:fld id="{15228465-49CF-412C-AA3A-EAC8FECF325A}" type="datetimeFigureOut">
               <a:rPr lang="es-419" smtClean="0"/>
-              <a:t>19/1/2022</a:t>
+              <a:t>26/1/2022</a:t>
             </a:fld>
             <a:endParaRPr lang="es-419"/>
           </a:p>
@@ -4342,7 +4361,7 @@
           <p:cNvPr id="2" name="Title 1">
             <a:extLst>
               <a:ext uri="{FF2B5EF4-FFF2-40B4-BE49-F238E27FC236}">
-                <a16:creationId xmlns:a16="http://schemas.microsoft.com/office/drawing/2014/main" id="{17E0F46D-BC16-43A2-8656-AE96DD7BB7CF}"/>
+                <a16:creationId xmlns:a16="http://schemas.microsoft.com/office/drawing/2014/main" id="{B04946EE-71B8-4986-AAE8-1B289E0478CD}"/>
               </a:ext>
             </a:extLst>
           </p:cNvPr>
@@ -4353,97 +4372,124 @@
             <p:ph type="title"/>
           </p:nvPr>
         </p:nvSpPr>
-        <p:spPr/>
+        <p:spPr>
+          <a:xfrm>
+            <a:off x="838200" y="0"/>
+            <a:ext cx="10515600" cy="1325563"/>
+          </a:xfrm>
+        </p:spPr>
         <p:txBody>
           <a:bodyPr/>
           <a:lstStyle/>
           <a:p>
             <a:r>
               <a:rPr lang="es-419" dirty="0"/>
-              <a:t>Entorno de desarrollo</a:t>
-            </a:r>
-          </a:p>
-        </p:txBody>
-      </p:sp>
-      <p:sp>
-        <p:nvSpPr>
-          <p:cNvPr id="4" name="Content Placeholder 3">
-            <a:extLst>
-              <a:ext uri="{FF2B5EF4-FFF2-40B4-BE49-F238E27FC236}">
-                <a16:creationId xmlns:a16="http://schemas.microsoft.com/office/drawing/2014/main" id="{31DC9AEC-7BF4-4260-8740-72ABB02B423A}"/>
-              </a:ext>
-            </a:extLst>
-          </p:cNvPr>
-          <p:cNvSpPr>
-            <a:spLocks noGrp="1"/>
-          </p:cNvSpPr>
-          <p:nvPr>
-            <p:ph idx="1"/>
-          </p:nvPr>
-        </p:nvSpPr>
-        <p:spPr/>
-        <p:txBody>
-          <a:bodyPr/>
-          <a:lstStyle/>
-          <a:p>
-            <a:r>
-              <a:rPr lang="es-419" dirty="0"/>
-              <a:t>Python</a:t>
+              <a:t>Datos disponibles</a:t>
             </a:r>
           </a:p>
         </p:txBody>
       </p:sp>
       <p:pic>
         <p:nvPicPr>
-          <p:cNvPr id="1026" name="Picture 2">
-            <a:extLst>
-              <a:ext uri="{FF2B5EF4-FFF2-40B4-BE49-F238E27FC236}">
-                <a16:creationId xmlns:a16="http://schemas.microsoft.com/office/drawing/2014/main" id="{47AD0AB0-804A-4209-962D-3ED7504730AD}"/>
+          <p:cNvPr id="7" name="Picture 6">
+            <a:extLst>
+              <a:ext uri="{FF2B5EF4-FFF2-40B4-BE49-F238E27FC236}">
+                <a16:creationId xmlns:a16="http://schemas.microsoft.com/office/drawing/2014/main" id="{32543382-379E-4D70-9CAA-2CD1A03F53CB}"/>
               </a:ext>
             </a:extLst>
           </p:cNvPr>
           <p:cNvPicPr>
-            <a:picLocks noChangeAspect="1" noChangeArrowheads="1"/>
+            <a:picLocks noChangeAspect="1"/>
           </p:cNvPicPr>
           <p:nvPr/>
         </p:nvPicPr>
         <p:blipFill>
-          <a:blip r:embed="rId2">
-            <a:extLst>
-              <a:ext uri="{28A0092B-C50C-407E-A947-70E740481C1C}">
-                <a14:useLocalDpi xmlns:a14="http://schemas.microsoft.com/office/drawing/2010/main" val="0"/>
-              </a:ext>
-            </a:extLst>
-          </a:blip>
-          <a:srcRect/>
+          <a:blip r:embed="rId2"/>
           <a:stretch>
             <a:fillRect/>
           </a:stretch>
         </p:blipFill>
-        <p:spPr bwMode="auto">
+        <p:spPr>
           <a:xfrm>
-            <a:off x="5058004" y="1412866"/>
-            <a:ext cx="6121626" cy="5249191"/>
+            <a:off x="838200" y="878553"/>
+            <a:ext cx="5945309" cy="5679637"/>
+          </a:xfrm>
+          <a:prstGeom prst="rect">
+            <a:avLst/>
+          </a:prstGeom>
+        </p:spPr>
+      </p:pic>
+      <p:pic>
+        <p:nvPicPr>
+          <p:cNvPr id="9" name="Picture 8">
+            <a:extLst>
+              <a:ext uri="{FF2B5EF4-FFF2-40B4-BE49-F238E27FC236}">
+                <a16:creationId xmlns:a16="http://schemas.microsoft.com/office/drawing/2014/main" id="{684DB9D1-2C50-4034-B5FC-9FB671FF5630}"/>
+              </a:ext>
+            </a:extLst>
+          </p:cNvPr>
+          <p:cNvPicPr>
+            <a:picLocks noChangeAspect="1"/>
+          </p:cNvPicPr>
+          <p:nvPr/>
+        </p:nvPicPr>
+        <p:blipFill rotWithShape="1">
+          <a:blip r:embed="rId3"/>
+          <a:srcRect l="2657"/>
+          <a:stretch/>
+        </p:blipFill>
+        <p:spPr>
+          <a:xfrm>
+            <a:off x="6645880" y="1489074"/>
+            <a:ext cx="4784125" cy="5067220"/>
+          </a:xfrm>
+          <a:prstGeom prst="rect">
+            <a:avLst/>
+          </a:prstGeom>
+        </p:spPr>
+      </p:pic>
+      <p:sp>
+        <p:nvSpPr>
+          <p:cNvPr id="11" name="TextBox 10">
+            <a:extLst>
+              <a:ext uri="{FF2B5EF4-FFF2-40B4-BE49-F238E27FC236}">
+                <a16:creationId xmlns:a16="http://schemas.microsoft.com/office/drawing/2014/main" id="{2D5F0308-39A2-4E45-8B04-FC282171CE23}"/>
+              </a:ext>
+            </a:extLst>
+          </p:cNvPr>
+          <p:cNvSpPr txBox="1"/>
+          <p:nvPr/>
+        </p:nvSpPr>
+        <p:spPr>
+          <a:xfrm>
+            <a:off x="0" y="6371628"/>
+            <a:ext cx="6096000" cy="369332"/>
           </a:xfrm>
           <a:prstGeom prst="rect">
             <a:avLst/>
           </a:prstGeom>
           <a:noFill/>
-          <a:extLst>
-            <a:ext uri="{909E8E84-426E-40DD-AFC4-6F175D3DCCD1}">
-              <a14:hiddenFill xmlns:a14="http://schemas.microsoft.com/office/drawing/2010/main">
-                <a:solidFill>
-                  <a:srgbClr val="FFFFFF"/>
-                </a:solidFill>
-              </a14:hiddenFill>
-            </a:ext>
-          </a:extLst>
-        </p:spPr>
-      </p:pic>
+        </p:spPr>
+        <p:txBody>
+          <a:bodyPr wrap="square">
+            <a:spAutoFit/>
+          </a:bodyPr>
+          <a:lstStyle/>
+          <a:p>
+            <a:r>
+              <a:rPr lang="en-GB" dirty="0">
+                <a:hlinkClick r:id="rId4"/>
+              </a:rPr>
+              <a:t>Equinor Open Data</a:t>
+            </a:r>
+            <a:endParaRPr lang="es-419" dirty="0"/>
+          </a:p>
+        </p:txBody>
+      </p:sp>
     </p:spTree>
     <p:extLst>
       <p:ext uri="{BB962C8B-B14F-4D97-AF65-F5344CB8AC3E}">
-        <p14:creationId xmlns:p14="http://schemas.microsoft.com/office/powerpoint/2010/main" val="154590001"/>
+        <p14:creationId xmlns:p14="http://schemas.microsoft.com/office/powerpoint/2010/main" val="976664616"/>
       </p:ext>
     </p:extLst>
   </p:cSld>
@@ -4475,7 +4521,7 @@
           <p:cNvPr id="2" name="Title 1">
             <a:extLst>
               <a:ext uri="{FF2B5EF4-FFF2-40B4-BE49-F238E27FC236}">
-                <a16:creationId xmlns:a16="http://schemas.microsoft.com/office/drawing/2014/main" id="{03C14A38-0405-4AAF-B3D4-E9F9C80EA449}"/>
+                <a16:creationId xmlns:a16="http://schemas.microsoft.com/office/drawing/2014/main" id="{948442AA-3AB9-497B-8C8C-8A9F2875ECF7}"/>
               </a:ext>
             </a:extLst>
           </p:cNvPr>
@@ -4493,98 +4539,74 @@
           <a:p>
             <a:r>
               <a:rPr lang="es-419" dirty="0"/>
-              <a:t>IDE “Interface </a:t>
-            </a:r>
-            <a:r>
-              <a:rPr lang="es-419" dirty="0" err="1"/>
-              <a:t>Development</a:t>
-            </a:r>
-            <a:r>
-              <a:rPr lang="es-419" dirty="0"/>
-              <a:t> </a:t>
-            </a:r>
-            <a:r>
-              <a:rPr lang="es-419" dirty="0" err="1"/>
-              <a:t>Enviroment</a:t>
-            </a:r>
-            <a:r>
-              <a:rPr lang="es-419" dirty="0"/>
-              <a:t>”</a:t>
-            </a:r>
-          </a:p>
-        </p:txBody>
-      </p:sp>
-      <p:sp>
-        <p:nvSpPr>
-          <p:cNvPr id="3" name="Content Placeholder 2">
-            <a:extLst>
-              <a:ext uri="{FF2B5EF4-FFF2-40B4-BE49-F238E27FC236}">
-                <a16:creationId xmlns:a16="http://schemas.microsoft.com/office/drawing/2014/main" id="{1A16FE24-E963-4A20-9979-0CC5627DEE75}"/>
-              </a:ext>
-            </a:extLst>
-          </p:cNvPr>
-          <p:cNvSpPr>
-            <a:spLocks noGrp="1"/>
-          </p:cNvSpPr>
+              <a:t>Datos disponibles</a:t>
+            </a:r>
+          </a:p>
+        </p:txBody>
+      </p:sp>
+      <p:pic>
+        <p:nvPicPr>
+          <p:cNvPr id="7" name="Content Placeholder 6">
+            <a:extLst>
+              <a:ext uri="{FF2B5EF4-FFF2-40B4-BE49-F238E27FC236}">
+                <a16:creationId xmlns:a16="http://schemas.microsoft.com/office/drawing/2014/main" id="{CDBCD99C-0BF6-4B11-82A5-DD16E36640C9}"/>
+              </a:ext>
+            </a:extLst>
+          </p:cNvPr>
+          <p:cNvPicPr>
+            <a:picLocks noGrp="1" noChangeAspect="1"/>
+          </p:cNvPicPr>
           <p:nvPr>
             <p:ph idx="1"/>
           </p:nvPr>
-        </p:nvSpPr>
-        <p:spPr/>
-        <p:txBody>
-          <a:bodyPr/>
-          <a:lstStyle/>
-          <a:p>
-            <a:r>
-              <a:rPr lang="es-419" dirty="0"/>
-              <a:t>Live </a:t>
-            </a:r>
-            <a:r>
-              <a:rPr lang="es-419" dirty="0" err="1"/>
-              <a:t>Coding</a:t>
-            </a:r>
-            <a:endParaRPr lang="es-419" dirty="0"/>
-          </a:p>
-          <a:p>
-            <a:pPr lvl="1"/>
-            <a:r>
-              <a:rPr lang="es-419" dirty="0" err="1"/>
-              <a:t>PyCharm</a:t>
-            </a:r>
-            <a:r>
-              <a:rPr lang="es-419" dirty="0"/>
-              <a:t> </a:t>
-            </a:r>
-          </a:p>
-          <a:p>
-            <a:pPr lvl="1"/>
-            <a:r>
-              <a:rPr lang="es-419" dirty="0"/>
-              <a:t>Spyder </a:t>
-            </a:r>
-          </a:p>
-          <a:p>
-            <a:pPr lvl="1"/>
-            <a:r>
-              <a:rPr lang="es-419" dirty="0" err="1"/>
-              <a:t>Jupyter</a:t>
-            </a:r>
-            <a:r>
-              <a:rPr lang="es-419" dirty="0"/>
-              <a:t> Notebook </a:t>
-            </a:r>
-          </a:p>
-          <a:p>
-            <a:pPr lvl="2"/>
-            <a:r>
-              <a:rPr lang="es-419" dirty="0"/>
-              <a:t>Fundamentos</a:t>
-            </a:r>
-          </a:p>
-          <a:p>
-            <a:pPr marL="457200" lvl="1" indent="0">
-              <a:buNone/>
-            </a:pPr>
+        </p:nvPicPr>
+        <p:blipFill>
+          <a:blip r:embed="rId2"/>
+          <a:stretch>
+            <a:fillRect/>
+          </a:stretch>
+        </p:blipFill>
+        <p:spPr>
+          <a:xfrm>
+            <a:off x="1626169" y="1442316"/>
+            <a:ext cx="8939662" cy="4351338"/>
+          </a:xfrm>
+        </p:spPr>
+      </p:pic>
+      <p:sp>
+        <p:nvSpPr>
+          <p:cNvPr id="9" name="TextBox 8">
+            <a:extLst>
+              <a:ext uri="{FF2B5EF4-FFF2-40B4-BE49-F238E27FC236}">
+                <a16:creationId xmlns:a16="http://schemas.microsoft.com/office/drawing/2014/main" id="{B106D7A5-39BD-46AE-8833-F15F94F50C08}"/>
+              </a:ext>
+            </a:extLst>
+          </p:cNvPr>
+          <p:cNvSpPr txBox="1"/>
+          <p:nvPr/>
+        </p:nvSpPr>
+        <p:spPr>
+          <a:xfrm>
+            <a:off x="184728" y="6308209"/>
+            <a:ext cx="6096000" cy="369332"/>
+          </a:xfrm>
+          <a:prstGeom prst="rect">
+            <a:avLst/>
+          </a:prstGeom>
+          <a:noFill/>
+        </p:spPr>
+        <p:txBody>
+          <a:bodyPr wrap="square">
+            <a:spAutoFit/>
+          </a:bodyPr>
+          <a:lstStyle/>
+          <a:p>
+            <a:r>
+              <a:rPr lang="en-GB" dirty="0">
+                <a:hlinkClick r:id="rId3"/>
+              </a:rPr>
+              <a:t>SPE Data Repository</a:t>
+            </a:r>
             <a:endParaRPr lang="es-419" dirty="0"/>
           </a:p>
         </p:txBody>
@@ -4592,7 +4614,7 @@
     </p:spTree>
     <p:extLst>
       <p:ext uri="{BB962C8B-B14F-4D97-AF65-F5344CB8AC3E}">
-        <p14:creationId xmlns:p14="http://schemas.microsoft.com/office/powerpoint/2010/main" val="1525028383"/>
+        <p14:creationId xmlns:p14="http://schemas.microsoft.com/office/powerpoint/2010/main" val="17158425"/>
       </p:ext>
     </p:extLst>
   </p:cSld>
@@ -4624,7 +4646,7 @@
           <p:cNvPr id="2" name="Title 1">
             <a:extLst>
               <a:ext uri="{FF2B5EF4-FFF2-40B4-BE49-F238E27FC236}">
-                <a16:creationId xmlns:a16="http://schemas.microsoft.com/office/drawing/2014/main" id="{898C7BAB-2C8C-4F11-942C-E6C2C07C51BD}"/>
+                <a16:creationId xmlns:a16="http://schemas.microsoft.com/office/drawing/2014/main" id="{948442AA-3AB9-497B-8C8C-8A9F2875ECF7}"/>
               </a:ext>
             </a:extLst>
           </p:cNvPr>
@@ -4641,85 +4663,101 @@
           <a:lstStyle/>
           <a:p>
             <a:r>
-              <a:rPr lang="es-419" dirty="0" err="1"/>
-              <a:t>Datasets</a:t>
-            </a:r>
-            <a:r>
-              <a:rPr lang="es-419" dirty="0"/>
-              <a:t> de </a:t>
-            </a:r>
-            <a:r>
-              <a:rPr lang="es-419" dirty="0" err="1"/>
-              <a:t>Ing.Petrolera</a:t>
-            </a:r>
-            <a:endParaRPr lang="es-419" dirty="0"/>
-          </a:p>
-        </p:txBody>
-      </p:sp>
-      <p:sp>
-        <p:nvSpPr>
-          <p:cNvPr id="3" name="Content Placeholder 2">
-            <a:extLst>
-              <a:ext uri="{FF2B5EF4-FFF2-40B4-BE49-F238E27FC236}">
-                <a16:creationId xmlns:a16="http://schemas.microsoft.com/office/drawing/2014/main" id="{44B8E82F-231B-47A6-B2FA-ED6F4026B2DC}"/>
-              </a:ext>
-            </a:extLst>
-          </p:cNvPr>
-          <p:cNvSpPr>
-            <a:spLocks noGrp="1"/>
-          </p:cNvSpPr>
-          <p:nvPr>
-            <p:ph idx="1"/>
-          </p:nvPr>
-        </p:nvSpPr>
-        <p:spPr/>
-        <p:txBody>
-          <a:bodyPr/>
-          <a:lstStyle/>
-          <a:p>
-            <a:r>
-              <a:rPr lang="es-419" dirty="0"/>
-              <a:t>Live </a:t>
-            </a:r>
-            <a:r>
-              <a:rPr lang="es-419" dirty="0" err="1"/>
-              <a:t>Coding</a:t>
-            </a:r>
-            <a:endParaRPr lang="es-419" dirty="0"/>
-          </a:p>
-          <a:p>
-            <a:pPr lvl="1"/>
-            <a:r>
-              <a:rPr lang="es-419" dirty="0"/>
-              <a:t>Visualizar </a:t>
-            </a:r>
-          </a:p>
-          <a:p>
-            <a:pPr lvl="2"/>
-            <a:r>
-              <a:rPr lang="es-419" dirty="0"/>
-              <a:t>Excel </a:t>
-            </a:r>
-          </a:p>
-          <a:p>
-            <a:pPr lvl="2"/>
-            <a:r>
-              <a:rPr lang="es-419" dirty="0"/>
-              <a:t>DLIS </a:t>
-            </a:r>
-          </a:p>
-          <a:p>
-            <a:pPr lvl="2"/>
-            <a:r>
-              <a:rPr lang="es-419" dirty="0"/>
-              <a:t>LAS </a:t>
-            </a:r>
-          </a:p>
-          <a:p>
-            <a:pPr lvl="2"/>
-            <a:r>
-              <a:rPr lang="es-419" dirty="0"/>
-              <a:t>WITSML</a:t>
+              <a:rPr lang="es-419" dirty="0"/>
+              <a:t>Datos disponibles</a:t>
+            </a:r>
+          </a:p>
+        </p:txBody>
+      </p:sp>
+      <p:pic>
+        <p:nvPicPr>
+          <p:cNvPr id="6" name="Picture 5">
+            <a:extLst>
+              <a:ext uri="{FF2B5EF4-FFF2-40B4-BE49-F238E27FC236}">
+                <a16:creationId xmlns:a16="http://schemas.microsoft.com/office/drawing/2014/main" id="{AD4A2B22-A4A8-435A-948E-911DD79155DF}"/>
+              </a:ext>
+            </a:extLst>
+          </p:cNvPr>
+          <p:cNvPicPr>
+            <a:picLocks noChangeAspect="1"/>
+          </p:cNvPicPr>
+          <p:nvPr/>
+        </p:nvPicPr>
+        <p:blipFill rotWithShape="1">
+          <a:blip r:embed="rId2"/>
+          <a:srcRect b="39205"/>
+          <a:stretch/>
+        </p:blipFill>
+        <p:spPr>
+          <a:xfrm>
+            <a:off x="1442623" y="1445427"/>
+            <a:ext cx="5030294" cy="4498173"/>
+          </a:xfrm>
+          <a:prstGeom prst="rect">
+            <a:avLst/>
+          </a:prstGeom>
+        </p:spPr>
+      </p:pic>
+      <p:pic>
+        <p:nvPicPr>
+          <p:cNvPr id="10" name="Picture 9">
+            <a:extLst>
+              <a:ext uri="{FF2B5EF4-FFF2-40B4-BE49-F238E27FC236}">
+                <a16:creationId xmlns:a16="http://schemas.microsoft.com/office/drawing/2014/main" id="{6E980382-EA64-476E-A2F1-992B52EAB9C8}"/>
+              </a:ext>
+            </a:extLst>
+          </p:cNvPr>
+          <p:cNvPicPr>
+            <a:picLocks noChangeAspect="1"/>
+          </p:cNvPicPr>
+          <p:nvPr/>
+        </p:nvPicPr>
+        <p:blipFill rotWithShape="1">
+          <a:blip r:embed="rId2"/>
+          <a:srcRect t="60324"/>
+          <a:stretch/>
+        </p:blipFill>
+        <p:spPr>
+          <a:xfrm>
+            <a:off x="6398212" y="3008006"/>
+            <a:ext cx="5030294" cy="2935594"/>
+          </a:xfrm>
+          <a:prstGeom prst="rect">
+            <a:avLst/>
+          </a:prstGeom>
+        </p:spPr>
+      </p:pic>
+      <p:sp>
+        <p:nvSpPr>
+          <p:cNvPr id="12" name="TextBox 11">
+            <a:extLst>
+              <a:ext uri="{FF2B5EF4-FFF2-40B4-BE49-F238E27FC236}">
+                <a16:creationId xmlns:a16="http://schemas.microsoft.com/office/drawing/2014/main" id="{CD98947B-8340-4720-970C-567695528294}"/>
+              </a:ext>
+            </a:extLst>
+          </p:cNvPr>
+          <p:cNvSpPr txBox="1"/>
+          <p:nvPr/>
+        </p:nvSpPr>
+        <p:spPr>
+          <a:xfrm>
+            <a:off x="0" y="6384744"/>
+            <a:ext cx="10603345" cy="369332"/>
+          </a:xfrm>
+          <a:prstGeom prst="rect">
+            <a:avLst/>
+          </a:prstGeom>
+          <a:noFill/>
+        </p:spPr>
+        <p:txBody>
+          <a:bodyPr wrap="square">
+            <a:spAutoFit/>
+          </a:bodyPr>
+          <a:lstStyle/>
+          <a:p>
+            <a:r>
+              <a:rPr lang="es-419" dirty="0"/>
+              <a:t>https://www.linkedin.com/posts/jeevan-vivek-58805880_yt-opendatasets-activity-6841770285658730496-tCe8</a:t>
             </a:r>
           </a:p>
         </p:txBody>
@@ -4727,7 +4765,7 @@
     </p:spTree>
     <p:extLst>
       <p:ext uri="{BB962C8B-B14F-4D97-AF65-F5344CB8AC3E}">
-        <p14:creationId xmlns:p14="http://schemas.microsoft.com/office/powerpoint/2010/main" val="1842581344"/>
+        <p14:creationId xmlns:p14="http://schemas.microsoft.com/office/powerpoint/2010/main" val="1016049309"/>
       </p:ext>
     </p:extLst>
   </p:cSld>
@@ -4759,7 +4797,7 @@
           <p:cNvPr id="2" name="Title 1">
             <a:extLst>
               <a:ext uri="{FF2B5EF4-FFF2-40B4-BE49-F238E27FC236}">
-                <a16:creationId xmlns:a16="http://schemas.microsoft.com/office/drawing/2014/main" id="{1AB06638-96AF-45F1-87AF-441FF7D70B3C}"/>
+                <a16:creationId xmlns:a16="http://schemas.microsoft.com/office/drawing/2014/main" id="{898C7BAB-2C8C-4F11-942C-E6C2C07C51BD}"/>
               </a:ext>
             </a:extLst>
           </p:cNvPr>
@@ -4777,17 +4815,21 @@
           <a:p>
             <a:r>
               <a:rPr lang="es-419" dirty="0"/>
-              <a:t>Ciencia de Datos</a:t>
+              <a:t>Excel </a:t>
+            </a:r>
+            <a:r>
+              <a:rPr lang="es-419" i="1" dirty="0"/>
+              <a:t>(.xlsx) </a:t>
             </a:r>
           </a:p>
         </p:txBody>
       </p:sp>
       <p:pic>
         <p:nvPicPr>
-          <p:cNvPr id="5" name="Picture 4">
-            <a:extLst>
-              <a:ext uri="{FF2B5EF4-FFF2-40B4-BE49-F238E27FC236}">
-                <a16:creationId xmlns:a16="http://schemas.microsoft.com/office/drawing/2014/main" id="{1A0866D7-8B2D-44E3-A8CB-3E19894592B5}"/>
+          <p:cNvPr id="4" name="Picture 3">
+            <a:extLst>
+              <a:ext uri="{FF2B5EF4-FFF2-40B4-BE49-F238E27FC236}">
+                <a16:creationId xmlns:a16="http://schemas.microsoft.com/office/drawing/2014/main" id="{E05673D2-6CD9-48F3-B535-B89DB4078149}"/>
               </a:ext>
             </a:extLst>
           </p:cNvPr>
@@ -4804,8 +4846,8 @@
         </p:blipFill>
         <p:spPr>
           <a:xfrm>
-            <a:off x="245776" y="1762599"/>
-            <a:ext cx="5588967" cy="4492398"/>
+            <a:off x="461941" y="1922349"/>
+            <a:ext cx="6000750" cy="1019175"/>
           </a:xfrm>
           <a:prstGeom prst="rect">
             <a:avLst/>
@@ -4814,74 +4856,188 @@
       </p:pic>
       <p:sp>
         <p:nvSpPr>
-          <p:cNvPr id="8" name="Content Placeholder 7">
-            <a:extLst>
-              <a:ext uri="{FF2B5EF4-FFF2-40B4-BE49-F238E27FC236}">
-                <a16:creationId xmlns:a16="http://schemas.microsoft.com/office/drawing/2014/main" id="{96AFAF3C-791E-45BF-990E-3078FD5BB11B}"/>
-              </a:ext>
-            </a:extLst>
-          </p:cNvPr>
-          <p:cNvSpPr>
-            <a:spLocks noGrp="1"/>
-          </p:cNvSpPr>
-          <p:nvPr>
-            <p:ph idx="1"/>
-          </p:nvPr>
+          <p:cNvPr id="8" name="TextBox 7">
+            <a:extLst>
+              <a:ext uri="{FF2B5EF4-FFF2-40B4-BE49-F238E27FC236}">
+                <a16:creationId xmlns:a16="http://schemas.microsoft.com/office/drawing/2014/main" id="{5FBCFFA2-912F-4732-AD7C-D754DDF9DED3}"/>
+              </a:ext>
+            </a:extLst>
+          </p:cNvPr>
+          <p:cNvSpPr txBox="1"/>
+          <p:nvPr/>
         </p:nvSpPr>
         <p:spPr>
           <a:xfrm>
-            <a:off x="5486401" y="2455996"/>
-            <a:ext cx="6574970" cy="3105604"/>
-          </a:xfrm>
-        </p:spPr>
-        <p:txBody>
-          <a:bodyPr/>
-          <a:lstStyle/>
-          <a:p>
-            <a:pPr marL="0" indent="0">
-              <a:buNone/>
-            </a:pPr>
-            <a:r>
-              <a:rPr lang="es-419" dirty="0"/>
-              <a:t>Objetivos :	</a:t>
-            </a:r>
-          </a:p>
-          <a:p>
-            <a:pPr marL="0" indent="0">
-              <a:buNone/>
-            </a:pPr>
-            <a:r>
-              <a:rPr lang="es-419" dirty="0"/>
-              <a:t>	- Limpieza de datos </a:t>
-            </a:r>
-          </a:p>
-          <a:p>
-            <a:pPr marL="0" indent="0">
-              <a:buNone/>
-            </a:pPr>
-            <a:r>
-              <a:rPr lang="es-419" dirty="0"/>
-              <a:t>	- Mayor entendimiento de variables </a:t>
-            </a:r>
-          </a:p>
-          <a:p>
-            <a:pPr marL="0" indent="0">
-              <a:buNone/>
-            </a:pPr>
-            <a:r>
-              <a:rPr lang="es-419" dirty="0"/>
-              <a:t>	- Determinar relaciones entre 	variables</a:t>
-            </a:r>
-          </a:p>
-          <a:p>
-            <a:endParaRPr lang="es-419" dirty="0"/>
+            <a:off x="3011878" y="4133769"/>
+            <a:ext cx="2603213" cy="646331"/>
+          </a:xfrm>
+          <a:prstGeom prst="rect">
+            <a:avLst/>
+          </a:prstGeom>
+          <a:noFill/>
+        </p:spPr>
+        <p:txBody>
+          <a:bodyPr wrap="none" rtlCol="0">
+            <a:spAutoFit/>
+          </a:bodyPr>
+          <a:lstStyle/>
+          <a:p>
+            <a:r>
+              <a:rPr lang="es-419" dirty="0"/>
+              <a:t>Librería : Pandas</a:t>
+            </a:r>
+          </a:p>
+          <a:p>
+            <a:r>
+              <a:rPr lang="es-419" dirty="0"/>
+              <a:t>	</a:t>
+            </a:r>
+            <a:r>
+              <a:rPr lang="es-419" dirty="0" err="1"/>
+              <a:t>pd.read_excel</a:t>
+            </a:r>
+            <a:r>
+              <a:rPr lang="es-419" dirty="0"/>
+              <a:t>(*</a:t>
+            </a:r>
+            <a:r>
+              <a:rPr lang="es-419" dirty="0" err="1"/>
+              <a:t>args</a:t>
+            </a:r>
+            <a:r>
+              <a:rPr lang="es-419" dirty="0"/>
+              <a:t>)</a:t>
+            </a:r>
+            <a:endParaRPr lang="en-GB" dirty="0"/>
+          </a:p>
+        </p:txBody>
+      </p:sp>
+      <p:sp>
+        <p:nvSpPr>
+          <p:cNvPr id="9" name="Arrow: Down 8">
+            <a:extLst>
+              <a:ext uri="{FF2B5EF4-FFF2-40B4-BE49-F238E27FC236}">
+                <a16:creationId xmlns:a16="http://schemas.microsoft.com/office/drawing/2014/main" id="{3C5496F1-B741-4BB2-98D6-3D79883063D3}"/>
+              </a:ext>
+            </a:extLst>
+          </p:cNvPr>
+          <p:cNvSpPr/>
+          <p:nvPr/>
+        </p:nvSpPr>
+        <p:spPr>
+          <a:xfrm>
+            <a:off x="3011878" y="3003155"/>
+            <a:ext cx="895104" cy="851690"/>
+          </a:xfrm>
+          <a:prstGeom prst="downArrow">
+            <a:avLst/>
+          </a:prstGeom>
+        </p:spPr>
+        <p:style>
+          <a:lnRef idx="2">
+            <a:schemeClr val="accent1">
+              <a:shade val="50000"/>
+            </a:schemeClr>
+          </a:lnRef>
+          <a:fillRef idx="1">
+            <a:schemeClr val="accent1"/>
+          </a:fillRef>
+          <a:effectRef idx="0">
+            <a:schemeClr val="accent1"/>
+          </a:effectRef>
+          <a:fontRef idx="minor">
+            <a:schemeClr val="lt1"/>
+          </a:fontRef>
+        </p:style>
+        <p:txBody>
+          <a:bodyPr rtlCol="0" anchor="ctr"/>
+          <a:lstStyle/>
+          <a:p>
+            <a:pPr algn="ctr"/>
+            <a:endParaRPr lang="en-GB"/>
+          </a:p>
+        </p:txBody>
+      </p:sp>
+      <p:pic>
+        <p:nvPicPr>
+          <p:cNvPr id="11" name="Picture 10">
+            <a:extLst>
+              <a:ext uri="{FF2B5EF4-FFF2-40B4-BE49-F238E27FC236}">
+                <a16:creationId xmlns:a16="http://schemas.microsoft.com/office/drawing/2014/main" id="{941D50A7-7116-4C2C-8D92-719DEEB71563}"/>
+              </a:ext>
+            </a:extLst>
+          </p:cNvPr>
+          <p:cNvPicPr>
+            <a:picLocks noChangeAspect="1"/>
+          </p:cNvPicPr>
+          <p:nvPr/>
+        </p:nvPicPr>
+        <p:blipFill>
+          <a:blip r:embed="rId3"/>
+          <a:stretch>
+            <a:fillRect/>
+          </a:stretch>
+        </p:blipFill>
+        <p:spPr>
+          <a:xfrm>
+            <a:off x="6891988" y="880774"/>
+            <a:ext cx="5000625" cy="5724525"/>
+          </a:xfrm>
+          <a:prstGeom prst="rect">
+            <a:avLst/>
+          </a:prstGeom>
+        </p:spPr>
+      </p:pic>
+      <p:sp>
+        <p:nvSpPr>
+          <p:cNvPr id="13" name="Arrow: Down 12">
+            <a:extLst>
+              <a:ext uri="{FF2B5EF4-FFF2-40B4-BE49-F238E27FC236}">
+                <a16:creationId xmlns:a16="http://schemas.microsoft.com/office/drawing/2014/main" id="{C8B02F18-A538-45BE-98C6-95E09BFD5973}"/>
+              </a:ext>
+            </a:extLst>
+          </p:cNvPr>
+          <p:cNvSpPr/>
+          <p:nvPr/>
+        </p:nvSpPr>
+        <p:spPr>
+          <a:xfrm rot="16200000">
+            <a:off x="5803943" y="4136962"/>
+            <a:ext cx="895104" cy="851690"/>
+          </a:xfrm>
+          <a:prstGeom prst="downArrow">
+            <a:avLst/>
+          </a:prstGeom>
+        </p:spPr>
+        <p:style>
+          <a:lnRef idx="2">
+            <a:schemeClr val="accent1">
+              <a:shade val="50000"/>
+            </a:schemeClr>
+          </a:lnRef>
+          <a:fillRef idx="1">
+            <a:schemeClr val="accent1"/>
+          </a:fillRef>
+          <a:effectRef idx="0">
+            <a:schemeClr val="accent1"/>
+          </a:effectRef>
+          <a:fontRef idx="minor">
+            <a:schemeClr val="lt1"/>
+          </a:fontRef>
+        </p:style>
+        <p:txBody>
+          <a:bodyPr rtlCol="0" anchor="ctr"/>
+          <a:lstStyle/>
+          <a:p>
+            <a:pPr algn="ctr"/>
+            <a:endParaRPr lang="en-GB"/>
           </a:p>
         </p:txBody>
       </p:sp>
     </p:spTree>
     <p:extLst>
       <p:ext uri="{BB962C8B-B14F-4D97-AF65-F5344CB8AC3E}">
-        <p14:creationId xmlns:p14="http://schemas.microsoft.com/office/powerpoint/2010/main" val="2984957411"/>
+        <p14:creationId xmlns:p14="http://schemas.microsoft.com/office/powerpoint/2010/main" val="4144384141"/>
       </p:ext>
     </p:extLst>
   </p:cSld>
@@ -4913,7 +5069,7 @@
           <p:cNvPr id="2" name="Title 1">
             <a:extLst>
               <a:ext uri="{FF2B5EF4-FFF2-40B4-BE49-F238E27FC236}">
-                <a16:creationId xmlns:a16="http://schemas.microsoft.com/office/drawing/2014/main" id="{F9B79F87-BAD7-4D29-B9B4-0DE958AD3D02}"/>
+                <a16:creationId xmlns:a16="http://schemas.microsoft.com/office/drawing/2014/main" id="{B6237146-3412-419E-B805-A5F47D4664B7}"/>
               </a:ext>
             </a:extLst>
           </p:cNvPr>
@@ -4924,80 +5080,2271 @@
             <p:ph type="title"/>
           </p:nvPr>
         </p:nvSpPr>
-        <p:spPr/>
+        <p:spPr>
+          <a:xfrm>
+            <a:off x="709108" y="284921"/>
+            <a:ext cx="10515600" cy="1325563"/>
+          </a:xfrm>
+        </p:spPr>
         <p:txBody>
           <a:bodyPr/>
           <a:lstStyle/>
           <a:p>
             <a:r>
               <a:rPr lang="es-419" dirty="0"/>
-              <a:t>Ciencia de Datos	</a:t>
-            </a:r>
-          </a:p>
-        </p:txBody>
-      </p:sp>
-      <p:sp>
-        <p:nvSpPr>
-          <p:cNvPr id="3" name="Content Placeholder 2">
-            <a:extLst>
-              <a:ext uri="{FF2B5EF4-FFF2-40B4-BE49-F238E27FC236}">
-                <a16:creationId xmlns:a16="http://schemas.microsoft.com/office/drawing/2014/main" id="{074C4EF7-A52C-4BDD-B19A-4647FF5965A7}"/>
-              </a:ext>
-            </a:extLst>
-          </p:cNvPr>
-          <p:cNvSpPr>
-            <a:spLocks noGrp="1"/>
-          </p:cNvSpPr>
-          <p:nvPr>
-            <p:ph idx="1"/>
-          </p:nvPr>
-        </p:nvSpPr>
-        <p:spPr/>
-        <p:txBody>
-          <a:bodyPr/>
-          <a:lstStyle/>
-          <a:p>
-            <a:r>
-              <a:rPr lang="es-419" dirty="0"/>
-              <a:t>Live </a:t>
+              <a:t>Excel</a:t>
+            </a:r>
+          </a:p>
+        </p:txBody>
+      </p:sp>
+      <p:pic>
+        <p:nvPicPr>
+          <p:cNvPr id="7" name="Picture 6">
+            <a:extLst>
+              <a:ext uri="{FF2B5EF4-FFF2-40B4-BE49-F238E27FC236}">
+                <a16:creationId xmlns:a16="http://schemas.microsoft.com/office/drawing/2014/main" id="{750607C0-CB69-4EAF-8BC7-52D738220F26}"/>
+              </a:ext>
+            </a:extLst>
+          </p:cNvPr>
+          <p:cNvPicPr>
+            <a:picLocks noChangeAspect="1"/>
+          </p:cNvPicPr>
+          <p:nvPr/>
+        </p:nvPicPr>
+        <p:blipFill>
+          <a:blip r:embed="rId2"/>
+          <a:stretch>
+            <a:fillRect/>
+          </a:stretch>
+        </p:blipFill>
+        <p:spPr>
+          <a:xfrm>
+            <a:off x="365760" y="1397020"/>
+            <a:ext cx="4976949" cy="2479326"/>
+          </a:xfrm>
+          <a:prstGeom prst="rect">
+            <a:avLst/>
+          </a:prstGeom>
+        </p:spPr>
+      </p:pic>
+      <p:pic>
+        <p:nvPicPr>
+          <p:cNvPr id="1026" name="Picture 2">
+            <a:extLst>
+              <a:ext uri="{FF2B5EF4-FFF2-40B4-BE49-F238E27FC236}">
+                <a16:creationId xmlns:a16="http://schemas.microsoft.com/office/drawing/2014/main" id="{739EDBCE-EE39-407E-BD82-CF2A68FE9769}"/>
+              </a:ext>
+            </a:extLst>
+          </p:cNvPr>
+          <p:cNvPicPr>
+            <a:picLocks noChangeAspect="1" noChangeArrowheads="1"/>
+          </p:cNvPicPr>
+          <p:nvPr/>
+        </p:nvPicPr>
+        <p:blipFill>
+          <a:blip r:embed="rId3">
+            <a:extLst>
+              <a:ext uri="{28A0092B-C50C-407E-A947-70E740481C1C}">
+                <a14:useLocalDpi xmlns:a14="http://schemas.microsoft.com/office/drawing/2010/main" val="0"/>
+              </a:ext>
+            </a:extLst>
+          </a:blip>
+          <a:srcRect/>
+          <a:stretch>
+            <a:fillRect/>
+          </a:stretch>
+        </p:blipFill>
+        <p:spPr bwMode="auto">
+          <a:xfrm>
+            <a:off x="5630092" y="3515085"/>
+            <a:ext cx="6460982" cy="3154633"/>
+          </a:xfrm>
+          <a:prstGeom prst="rect">
+            <a:avLst/>
+          </a:prstGeom>
+          <a:noFill/>
+          <a:extLst>
+            <a:ext uri="{909E8E84-426E-40DD-AFC4-6F175D3DCCD1}">
+              <a14:hiddenFill xmlns:a14="http://schemas.microsoft.com/office/drawing/2010/main">
+                <a:solidFill>
+                  <a:srgbClr val="FFFFFF"/>
+                </a:solidFill>
+              </a14:hiddenFill>
+            </a:ext>
+          </a:extLst>
+        </p:spPr>
+      </p:pic>
+      <p:sp>
+        <p:nvSpPr>
+          <p:cNvPr id="9" name="TextBox 8">
+            <a:extLst>
+              <a:ext uri="{FF2B5EF4-FFF2-40B4-BE49-F238E27FC236}">
+                <a16:creationId xmlns:a16="http://schemas.microsoft.com/office/drawing/2014/main" id="{EC315403-18C9-4E90-BC44-AD9ADF006249}"/>
+              </a:ext>
+            </a:extLst>
+          </p:cNvPr>
+          <p:cNvSpPr txBox="1"/>
+          <p:nvPr/>
+        </p:nvSpPr>
+        <p:spPr>
+          <a:xfrm>
+            <a:off x="1663872" y="4988445"/>
+            <a:ext cx="2688685" cy="646331"/>
+          </a:xfrm>
+          <a:prstGeom prst="rect">
+            <a:avLst/>
+          </a:prstGeom>
+          <a:noFill/>
+        </p:spPr>
+        <p:txBody>
+          <a:bodyPr wrap="none" rtlCol="0">
+            <a:spAutoFit/>
+          </a:bodyPr>
+          <a:lstStyle/>
+          <a:p>
+            <a:r>
+              <a:rPr lang="es-419" dirty="0"/>
+              <a:t>Librería : </a:t>
             </a:r>
             <a:r>
               <a:rPr lang="es-419" dirty="0" err="1"/>
-              <a:t>Coding</a:t>
-            </a:r>
-            <a:r>
-              <a:rPr lang="es-419" dirty="0"/>
-              <a:t> </a:t>
-            </a:r>
-          </a:p>
-          <a:p>
-            <a:pPr lvl="1"/>
-            <a:r>
-              <a:rPr lang="es-419" dirty="0"/>
-              <a:t>Producción </a:t>
+              <a:t>matplotlib.pyplot</a:t>
+            </a:r>
+            <a:endParaRPr lang="es-419" dirty="0"/>
+          </a:p>
+          <a:p>
+            <a:r>
+              <a:rPr lang="es-419" dirty="0"/>
+              <a:t>	 </a:t>
             </a:r>
             <a:r>
               <a:rPr lang="es-419" dirty="0" err="1"/>
-              <a:t>Volve</a:t>
-            </a:r>
-            <a:r>
-              <a:rPr lang="es-419" dirty="0"/>
-              <a:t> </a:t>
-            </a:r>
-          </a:p>
-          <a:p>
-            <a:pPr lvl="1"/>
-            <a:r>
-              <a:rPr lang="es-419" dirty="0"/>
-              <a:t>Registro de perforación</a:t>
-            </a:r>
+              <a:t>plt.scatter</a:t>
+            </a:r>
+            <a:r>
+              <a:rPr lang="es-419" dirty="0"/>
+              <a:t>(*</a:t>
+            </a:r>
+            <a:r>
+              <a:rPr lang="es-419" dirty="0" err="1"/>
+              <a:t>args</a:t>
+            </a:r>
+            <a:r>
+              <a:rPr lang="es-419" dirty="0"/>
+              <a:t>)</a:t>
+            </a:r>
+            <a:endParaRPr lang="en-GB" dirty="0"/>
+          </a:p>
+        </p:txBody>
+      </p:sp>
+      <p:sp>
+        <p:nvSpPr>
+          <p:cNvPr id="10" name="Arrow: Down 9">
+            <a:extLst>
+              <a:ext uri="{FF2B5EF4-FFF2-40B4-BE49-F238E27FC236}">
+                <a16:creationId xmlns:a16="http://schemas.microsoft.com/office/drawing/2014/main" id="{FFD4414A-1FE5-4962-B46C-A6CF8AF1C68C}"/>
+              </a:ext>
+            </a:extLst>
+          </p:cNvPr>
+          <p:cNvSpPr/>
+          <p:nvPr/>
+        </p:nvSpPr>
+        <p:spPr>
+          <a:xfrm>
+            <a:off x="1964630" y="3876346"/>
+            <a:ext cx="895104" cy="851690"/>
+          </a:xfrm>
+          <a:prstGeom prst="downArrow">
+            <a:avLst/>
+          </a:prstGeom>
+        </p:spPr>
+        <p:style>
+          <a:lnRef idx="2">
+            <a:schemeClr val="accent1">
+              <a:shade val="50000"/>
+            </a:schemeClr>
+          </a:lnRef>
+          <a:fillRef idx="1">
+            <a:schemeClr val="accent1"/>
+          </a:fillRef>
+          <a:effectRef idx="0">
+            <a:schemeClr val="accent1"/>
+          </a:effectRef>
+          <a:fontRef idx="minor">
+            <a:schemeClr val="lt1"/>
+          </a:fontRef>
+        </p:style>
+        <p:txBody>
+          <a:bodyPr rtlCol="0" anchor="ctr"/>
+          <a:lstStyle/>
+          <a:p>
+            <a:pPr algn="ctr"/>
+            <a:endParaRPr lang="en-GB"/>
+          </a:p>
+        </p:txBody>
+      </p:sp>
+      <p:sp>
+        <p:nvSpPr>
+          <p:cNvPr id="11" name="Arrow: Down 10">
+            <a:extLst>
+              <a:ext uri="{FF2B5EF4-FFF2-40B4-BE49-F238E27FC236}">
+                <a16:creationId xmlns:a16="http://schemas.microsoft.com/office/drawing/2014/main" id="{810B4661-B3E1-48A1-9BC3-529FF927E8B9}"/>
+              </a:ext>
+            </a:extLst>
+          </p:cNvPr>
+          <p:cNvSpPr/>
+          <p:nvPr/>
+        </p:nvSpPr>
+        <p:spPr>
+          <a:xfrm rot="16200000">
+            <a:off x="4756695" y="5010153"/>
+            <a:ext cx="895104" cy="851690"/>
+          </a:xfrm>
+          <a:prstGeom prst="downArrow">
+            <a:avLst/>
+          </a:prstGeom>
+        </p:spPr>
+        <p:style>
+          <a:lnRef idx="2">
+            <a:schemeClr val="accent1">
+              <a:shade val="50000"/>
+            </a:schemeClr>
+          </a:lnRef>
+          <a:fillRef idx="1">
+            <a:schemeClr val="accent1"/>
+          </a:fillRef>
+          <a:effectRef idx="0">
+            <a:schemeClr val="accent1"/>
+          </a:effectRef>
+          <a:fontRef idx="minor">
+            <a:schemeClr val="lt1"/>
+          </a:fontRef>
+        </p:style>
+        <p:txBody>
+          <a:bodyPr rtlCol="0" anchor="ctr"/>
+          <a:lstStyle/>
+          <a:p>
+            <a:pPr algn="ctr"/>
+            <a:endParaRPr lang="en-GB"/>
           </a:p>
         </p:txBody>
       </p:sp>
     </p:spTree>
     <p:extLst>
       <p:ext uri="{BB962C8B-B14F-4D97-AF65-F5344CB8AC3E}">
-        <p14:creationId xmlns:p14="http://schemas.microsoft.com/office/powerpoint/2010/main" val="855755503"/>
+        <p14:creationId xmlns:p14="http://schemas.microsoft.com/office/powerpoint/2010/main" val="1809785998"/>
+      </p:ext>
+    </p:extLst>
+  </p:cSld>
+  <p:clrMapOvr>
+    <a:masterClrMapping/>
+  </p:clrMapOvr>
+</p:sld>
+</file>
+
+<file path=ppt/slides/slide15.xml><?xml version="1.0" encoding="utf-8"?>
+<p:sld xmlns:a="http://schemas.openxmlformats.org/drawingml/2006/main" xmlns:r="http://schemas.openxmlformats.org/officeDocument/2006/relationships" xmlns:p="http://schemas.openxmlformats.org/presentationml/2006/main">
+  <p:cSld>
+    <p:spTree>
+      <p:nvGrpSpPr>
+        <p:cNvPr id="1" name=""/>
+        <p:cNvGrpSpPr/>
+        <p:nvPr/>
+      </p:nvGrpSpPr>
+      <p:grpSpPr>
+        <a:xfrm>
+          <a:off x="0" y="0"/>
+          <a:ext cx="0" cy="0"/>
+          <a:chOff x="0" y="0"/>
+          <a:chExt cx="0" cy="0"/>
+        </a:xfrm>
+      </p:grpSpPr>
+      <p:sp>
+        <p:nvSpPr>
+          <p:cNvPr id="2" name="Title 1">
+            <a:extLst>
+              <a:ext uri="{FF2B5EF4-FFF2-40B4-BE49-F238E27FC236}">
+                <a16:creationId xmlns:a16="http://schemas.microsoft.com/office/drawing/2014/main" id="{A13E1075-F100-4505-9578-3EE7BDA0F585}"/>
+              </a:ext>
+            </a:extLst>
+          </p:cNvPr>
+          <p:cNvSpPr>
+            <a:spLocks noGrp="1"/>
+          </p:cNvSpPr>
+          <p:nvPr>
+            <p:ph type="title"/>
+          </p:nvPr>
+        </p:nvSpPr>
+        <p:spPr/>
+        <p:txBody>
+          <a:bodyPr/>
+          <a:lstStyle/>
+          <a:p>
+            <a:r>
+              <a:rPr lang="es-419" dirty="0"/>
+              <a:t>Registros </a:t>
+            </a:r>
+            <a:r>
+              <a:rPr lang="es-419" i="1" dirty="0"/>
+              <a:t>(.LAS)</a:t>
+            </a:r>
+          </a:p>
+        </p:txBody>
+      </p:sp>
+      <p:pic>
+        <p:nvPicPr>
+          <p:cNvPr id="5" name="Picture 4">
+            <a:extLst>
+              <a:ext uri="{FF2B5EF4-FFF2-40B4-BE49-F238E27FC236}">
+                <a16:creationId xmlns:a16="http://schemas.microsoft.com/office/drawing/2014/main" id="{FB04B91E-630D-4898-A42E-679E159DAADC}"/>
+              </a:ext>
+            </a:extLst>
+          </p:cNvPr>
+          <p:cNvPicPr>
+            <a:picLocks noChangeAspect="1"/>
+          </p:cNvPicPr>
+          <p:nvPr/>
+        </p:nvPicPr>
+        <p:blipFill>
+          <a:blip r:embed="rId2"/>
+          <a:stretch>
+            <a:fillRect/>
+          </a:stretch>
+        </p:blipFill>
+        <p:spPr>
+          <a:xfrm>
+            <a:off x="571061" y="1467607"/>
+            <a:ext cx="3496324" cy="5167312"/>
+          </a:xfrm>
+          <a:prstGeom prst="rect">
+            <a:avLst/>
+          </a:prstGeom>
+        </p:spPr>
+      </p:pic>
+      <p:sp>
+        <p:nvSpPr>
+          <p:cNvPr id="8" name="TextBox 7">
+            <a:extLst>
+              <a:ext uri="{FF2B5EF4-FFF2-40B4-BE49-F238E27FC236}">
+                <a16:creationId xmlns:a16="http://schemas.microsoft.com/office/drawing/2014/main" id="{F7FFECCB-54BD-4AC9-BFAF-3C62BE1B4F38}"/>
+              </a:ext>
+            </a:extLst>
+          </p:cNvPr>
+          <p:cNvSpPr txBox="1"/>
+          <p:nvPr/>
+        </p:nvSpPr>
+        <p:spPr>
+          <a:xfrm>
+            <a:off x="4493230" y="1660780"/>
+            <a:ext cx="2199898" cy="646331"/>
+          </a:xfrm>
+          <a:prstGeom prst="rect">
+            <a:avLst/>
+          </a:prstGeom>
+          <a:noFill/>
+        </p:spPr>
+        <p:txBody>
+          <a:bodyPr wrap="none" rtlCol="0">
+            <a:spAutoFit/>
+          </a:bodyPr>
+          <a:lstStyle/>
+          <a:p>
+            <a:r>
+              <a:rPr lang="es-419" dirty="0"/>
+              <a:t>Librería : </a:t>
+            </a:r>
+            <a:r>
+              <a:rPr lang="es-419" dirty="0" err="1"/>
+              <a:t>lasio</a:t>
+            </a:r>
+            <a:endParaRPr lang="es-419" dirty="0"/>
+          </a:p>
+          <a:p>
+            <a:r>
+              <a:rPr lang="es-419" dirty="0"/>
+              <a:t>	</a:t>
+            </a:r>
+            <a:r>
+              <a:rPr lang="es-419" dirty="0" err="1"/>
+              <a:t>lasio.read</a:t>
+            </a:r>
+            <a:r>
+              <a:rPr lang="es-419" dirty="0"/>
+              <a:t>(*</a:t>
+            </a:r>
+            <a:r>
+              <a:rPr lang="es-419" dirty="0" err="1"/>
+              <a:t>args</a:t>
+            </a:r>
+            <a:r>
+              <a:rPr lang="es-419" dirty="0"/>
+              <a:t>)</a:t>
+            </a:r>
+            <a:endParaRPr lang="en-GB" dirty="0"/>
+          </a:p>
+        </p:txBody>
+      </p:sp>
+      <p:pic>
+        <p:nvPicPr>
+          <p:cNvPr id="12" name="Picture 11">
+            <a:extLst>
+              <a:ext uri="{FF2B5EF4-FFF2-40B4-BE49-F238E27FC236}">
+                <a16:creationId xmlns:a16="http://schemas.microsoft.com/office/drawing/2014/main" id="{702E9B20-B9FD-4ECF-9F4D-0621F9D52961}"/>
+              </a:ext>
+            </a:extLst>
+          </p:cNvPr>
+          <p:cNvPicPr>
+            <a:picLocks noChangeAspect="1"/>
+          </p:cNvPicPr>
+          <p:nvPr/>
+        </p:nvPicPr>
+        <p:blipFill>
+          <a:blip r:embed="rId3"/>
+          <a:stretch>
+            <a:fillRect/>
+          </a:stretch>
+        </p:blipFill>
+        <p:spPr>
+          <a:xfrm>
+            <a:off x="7424440" y="415980"/>
+            <a:ext cx="4303555" cy="1901040"/>
+          </a:xfrm>
+          <a:prstGeom prst="rect">
+            <a:avLst/>
+          </a:prstGeom>
+        </p:spPr>
+      </p:pic>
+      <p:pic>
+        <p:nvPicPr>
+          <p:cNvPr id="14" name="Picture 13">
+            <a:extLst>
+              <a:ext uri="{FF2B5EF4-FFF2-40B4-BE49-F238E27FC236}">
+                <a16:creationId xmlns:a16="http://schemas.microsoft.com/office/drawing/2014/main" id="{1D4D6B9E-8ABF-488D-8E9E-528ABC5554F6}"/>
+              </a:ext>
+            </a:extLst>
+          </p:cNvPr>
+          <p:cNvPicPr>
+            <a:picLocks noChangeAspect="1"/>
+          </p:cNvPicPr>
+          <p:nvPr/>
+        </p:nvPicPr>
+        <p:blipFill>
+          <a:blip r:embed="rId4"/>
+          <a:stretch>
+            <a:fillRect/>
+          </a:stretch>
+        </p:blipFill>
+        <p:spPr>
+          <a:xfrm>
+            <a:off x="5321795" y="3490802"/>
+            <a:ext cx="6624931" cy="3251123"/>
+          </a:xfrm>
+          <a:prstGeom prst="rect">
+            <a:avLst/>
+          </a:prstGeom>
+        </p:spPr>
+      </p:pic>
+      <p:sp>
+        <p:nvSpPr>
+          <p:cNvPr id="15" name="TextBox 14">
+            <a:extLst>
+              <a:ext uri="{FF2B5EF4-FFF2-40B4-BE49-F238E27FC236}">
+                <a16:creationId xmlns:a16="http://schemas.microsoft.com/office/drawing/2014/main" id="{0EFA9560-20DE-40A5-97B1-5DE8C3CF8765}"/>
+              </a:ext>
+            </a:extLst>
+          </p:cNvPr>
+          <p:cNvSpPr txBox="1"/>
+          <p:nvPr/>
+        </p:nvSpPr>
+        <p:spPr>
+          <a:xfrm>
+            <a:off x="8153327" y="2575791"/>
+            <a:ext cx="2845779" cy="646331"/>
+          </a:xfrm>
+          <a:prstGeom prst="rect">
+            <a:avLst/>
+          </a:prstGeom>
+          <a:noFill/>
+        </p:spPr>
+        <p:txBody>
+          <a:bodyPr wrap="none" rtlCol="0">
+            <a:spAutoFit/>
+          </a:bodyPr>
+          <a:lstStyle/>
+          <a:p>
+            <a:r>
+              <a:rPr lang="es-419" dirty="0"/>
+              <a:t>Librería : </a:t>
+            </a:r>
+            <a:r>
+              <a:rPr lang="es-419" dirty="0" err="1"/>
+              <a:t>matplotlib.pyplot</a:t>
+            </a:r>
+            <a:r>
+              <a:rPr lang="es-419" dirty="0"/>
+              <a:t> </a:t>
+            </a:r>
+          </a:p>
+          <a:p>
+            <a:r>
+              <a:rPr lang="es-419" dirty="0"/>
+              <a:t>	</a:t>
+            </a:r>
+            <a:r>
+              <a:rPr lang="es-419" dirty="0" err="1"/>
+              <a:t>plt.subplots</a:t>
+            </a:r>
+            <a:r>
+              <a:rPr lang="es-419" dirty="0"/>
+              <a:t>(*</a:t>
+            </a:r>
+            <a:r>
+              <a:rPr lang="es-419" dirty="0" err="1"/>
+              <a:t>args</a:t>
+            </a:r>
+            <a:r>
+              <a:rPr lang="es-419" dirty="0"/>
+              <a:t>)</a:t>
+            </a:r>
+            <a:endParaRPr lang="en-GB" dirty="0"/>
+          </a:p>
+        </p:txBody>
+      </p:sp>
+      <p:cxnSp>
+        <p:nvCxnSpPr>
+          <p:cNvPr id="19" name="Connector: Elbow 18">
+            <a:extLst>
+              <a:ext uri="{FF2B5EF4-FFF2-40B4-BE49-F238E27FC236}">
+                <a16:creationId xmlns:a16="http://schemas.microsoft.com/office/drawing/2014/main" id="{C776799E-C7C0-4880-A8ED-79DB054AF771}"/>
+              </a:ext>
+            </a:extLst>
+          </p:cNvPr>
+          <p:cNvCxnSpPr>
+            <a:endCxn id="8" idx="1"/>
+          </p:cNvCxnSpPr>
+          <p:nvPr/>
+        </p:nvCxnSpPr>
+        <p:spPr>
+          <a:xfrm flipV="1">
+            <a:off x="3929743" y="1983946"/>
+            <a:ext cx="563487" cy="204083"/>
+          </a:xfrm>
+          <a:prstGeom prst="bentConnector3">
+            <a:avLst/>
+          </a:prstGeom>
+          <a:ln w="38100">
+            <a:tailEnd type="triangle"/>
+          </a:ln>
+        </p:spPr>
+        <p:style>
+          <a:lnRef idx="1">
+            <a:schemeClr val="accent1"/>
+          </a:lnRef>
+          <a:fillRef idx="0">
+            <a:schemeClr val="accent1"/>
+          </a:fillRef>
+          <a:effectRef idx="0">
+            <a:schemeClr val="accent1"/>
+          </a:effectRef>
+          <a:fontRef idx="minor">
+            <a:schemeClr val="tx1"/>
+          </a:fontRef>
+        </p:style>
+      </p:cxnSp>
+      <p:cxnSp>
+        <p:nvCxnSpPr>
+          <p:cNvPr id="20" name="Connector: Elbow 19">
+            <a:extLst>
+              <a:ext uri="{FF2B5EF4-FFF2-40B4-BE49-F238E27FC236}">
+                <a16:creationId xmlns:a16="http://schemas.microsoft.com/office/drawing/2014/main" id="{A937D657-B89D-4C78-B612-B1F86EB766DF}"/>
+              </a:ext>
+            </a:extLst>
+          </p:cNvPr>
+          <p:cNvCxnSpPr>
+            <a:cxnSpLocks/>
+            <a:stCxn id="8" idx="3"/>
+            <a:endCxn id="12" idx="1"/>
+          </p:cNvCxnSpPr>
+          <p:nvPr/>
+        </p:nvCxnSpPr>
+        <p:spPr>
+          <a:xfrm flipV="1">
+            <a:off x="6693128" y="1366500"/>
+            <a:ext cx="731312" cy="617446"/>
+          </a:xfrm>
+          <a:prstGeom prst="bentConnector3">
+            <a:avLst>
+              <a:gd name="adj1" fmla="val 50000"/>
+            </a:avLst>
+          </a:prstGeom>
+          <a:ln w="38100">
+            <a:tailEnd type="triangle"/>
+          </a:ln>
+        </p:spPr>
+        <p:style>
+          <a:lnRef idx="1">
+            <a:schemeClr val="accent1"/>
+          </a:lnRef>
+          <a:fillRef idx="0">
+            <a:schemeClr val="accent1"/>
+          </a:fillRef>
+          <a:effectRef idx="0">
+            <a:schemeClr val="accent1"/>
+          </a:effectRef>
+          <a:fontRef idx="minor">
+            <a:schemeClr val="tx1"/>
+          </a:fontRef>
+        </p:style>
+      </p:cxnSp>
+      <p:cxnSp>
+        <p:nvCxnSpPr>
+          <p:cNvPr id="23" name="Connector: Elbow 22">
+            <a:extLst>
+              <a:ext uri="{FF2B5EF4-FFF2-40B4-BE49-F238E27FC236}">
+                <a16:creationId xmlns:a16="http://schemas.microsoft.com/office/drawing/2014/main" id="{3B9ACDCE-C22D-49B6-B028-83ADE8CD33FF}"/>
+              </a:ext>
+            </a:extLst>
+          </p:cNvPr>
+          <p:cNvCxnSpPr>
+            <a:cxnSpLocks/>
+            <a:stCxn id="15" idx="2"/>
+            <a:endCxn id="14" idx="0"/>
+          </p:cNvCxnSpPr>
+          <p:nvPr/>
+        </p:nvCxnSpPr>
+        <p:spPr>
+          <a:xfrm rot="5400000">
+            <a:off x="8970899" y="2885484"/>
+            <a:ext cx="268680" cy="941956"/>
+          </a:xfrm>
+          <a:prstGeom prst="bentConnector3">
+            <a:avLst>
+              <a:gd name="adj1" fmla="val 36249"/>
+            </a:avLst>
+          </a:prstGeom>
+          <a:ln w="38100">
+            <a:tailEnd type="triangle"/>
+          </a:ln>
+        </p:spPr>
+        <p:style>
+          <a:lnRef idx="1">
+            <a:schemeClr val="accent1"/>
+          </a:lnRef>
+          <a:fillRef idx="0">
+            <a:schemeClr val="accent1"/>
+          </a:fillRef>
+          <a:effectRef idx="0">
+            <a:schemeClr val="accent1"/>
+          </a:effectRef>
+          <a:fontRef idx="minor">
+            <a:schemeClr val="tx1"/>
+          </a:fontRef>
+        </p:style>
+      </p:cxnSp>
+      <p:cxnSp>
+        <p:nvCxnSpPr>
+          <p:cNvPr id="24" name="Connector: Elbow 23">
+            <a:extLst>
+              <a:ext uri="{FF2B5EF4-FFF2-40B4-BE49-F238E27FC236}">
+                <a16:creationId xmlns:a16="http://schemas.microsoft.com/office/drawing/2014/main" id="{FAC20ED4-C5E1-4519-B843-9EC4BD5798A8}"/>
+              </a:ext>
+            </a:extLst>
+          </p:cNvPr>
+          <p:cNvCxnSpPr>
+            <a:cxnSpLocks/>
+            <a:stCxn id="12" idx="2"/>
+            <a:endCxn id="15" idx="0"/>
+          </p:cNvCxnSpPr>
+          <p:nvPr/>
+        </p:nvCxnSpPr>
+        <p:spPr>
+          <a:xfrm rot="5400000">
+            <a:off x="9446833" y="2446405"/>
+            <a:ext cx="258771" cy="1"/>
+          </a:xfrm>
+          <a:prstGeom prst="bentConnector3">
+            <a:avLst>
+              <a:gd name="adj1" fmla="val 50000"/>
+            </a:avLst>
+          </a:prstGeom>
+          <a:ln w="38100">
+            <a:tailEnd type="triangle"/>
+          </a:ln>
+        </p:spPr>
+        <p:style>
+          <a:lnRef idx="1">
+            <a:schemeClr val="accent1"/>
+          </a:lnRef>
+          <a:fillRef idx="0">
+            <a:schemeClr val="accent1"/>
+          </a:fillRef>
+          <a:effectRef idx="0">
+            <a:schemeClr val="accent1"/>
+          </a:effectRef>
+          <a:fontRef idx="minor">
+            <a:schemeClr val="tx1"/>
+          </a:fontRef>
+        </p:style>
+      </p:cxnSp>
+    </p:spTree>
+    <p:extLst>
+      <p:ext uri="{BB962C8B-B14F-4D97-AF65-F5344CB8AC3E}">
+        <p14:creationId xmlns:p14="http://schemas.microsoft.com/office/powerpoint/2010/main" val="431506596"/>
+      </p:ext>
+    </p:extLst>
+  </p:cSld>
+  <p:clrMapOvr>
+    <a:masterClrMapping/>
+  </p:clrMapOvr>
+</p:sld>
+</file>
+
+<file path=ppt/slides/slide16.xml><?xml version="1.0" encoding="utf-8"?>
+<p:sld xmlns:a="http://schemas.openxmlformats.org/drawingml/2006/main" xmlns:r="http://schemas.openxmlformats.org/officeDocument/2006/relationships" xmlns:p="http://schemas.openxmlformats.org/presentationml/2006/main">
+  <p:cSld>
+    <p:spTree>
+      <p:nvGrpSpPr>
+        <p:cNvPr id="1" name=""/>
+        <p:cNvGrpSpPr/>
+        <p:nvPr/>
+      </p:nvGrpSpPr>
+      <p:grpSpPr>
+        <a:xfrm>
+          <a:off x="0" y="0"/>
+          <a:ext cx="0" cy="0"/>
+          <a:chOff x="0" y="0"/>
+          <a:chExt cx="0" cy="0"/>
+        </a:xfrm>
+      </p:grpSpPr>
+      <p:sp>
+        <p:nvSpPr>
+          <p:cNvPr id="2" name="Title 1">
+            <a:extLst>
+              <a:ext uri="{FF2B5EF4-FFF2-40B4-BE49-F238E27FC236}">
+                <a16:creationId xmlns:a16="http://schemas.microsoft.com/office/drawing/2014/main" id="{D3181DE3-3DF6-4D03-99C6-24622EEC367F}"/>
+              </a:ext>
+            </a:extLst>
+          </p:cNvPr>
+          <p:cNvSpPr>
+            <a:spLocks noGrp="1"/>
+          </p:cNvSpPr>
+          <p:nvPr>
+            <p:ph type="title"/>
+          </p:nvPr>
+        </p:nvSpPr>
+        <p:spPr/>
+        <p:txBody>
+          <a:bodyPr/>
+          <a:lstStyle/>
+          <a:p>
+            <a:r>
+              <a:rPr lang="es-419" dirty="0"/>
+              <a:t>Registros </a:t>
+            </a:r>
+            <a:r>
+              <a:rPr lang="es-419" i="1" dirty="0"/>
+              <a:t>(.DLIS)</a:t>
+            </a:r>
+          </a:p>
+        </p:txBody>
+      </p:sp>
+      <p:pic>
+        <p:nvPicPr>
+          <p:cNvPr id="5" name="Picture 4">
+            <a:extLst>
+              <a:ext uri="{FF2B5EF4-FFF2-40B4-BE49-F238E27FC236}">
+                <a16:creationId xmlns:a16="http://schemas.microsoft.com/office/drawing/2014/main" id="{253F1A71-5818-44D6-A498-A9B5AD1CFB4F}"/>
+              </a:ext>
+            </a:extLst>
+          </p:cNvPr>
+          <p:cNvPicPr>
+            <a:picLocks noChangeAspect="1"/>
+          </p:cNvPicPr>
+          <p:nvPr/>
+        </p:nvPicPr>
+        <p:blipFill>
+          <a:blip r:embed="rId2"/>
+          <a:stretch>
+            <a:fillRect/>
+          </a:stretch>
+        </p:blipFill>
+        <p:spPr>
+          <a:xfrm>
+            <a:off x="419821" y="1886603"/>
+            <a:ext cx="4127664" cy="1883497"/>
+          </a:xfrm>
+          <a:prstGeom prst="rect">
+            <a:avLst/>
+          </a:prstGeom>
+        </p:spPr>
+      </p:pic>
+      <p:pic>
+        <p:nvPicPr>
+          <p:cNvPr id="8" name="Picture 7">
+            <a:extLst>
+              <a:ext uri="{FF2B5EF4-FFF2-40B4-BE49-F238E27FC236}">
+                <a16:creationId xmlns:a16="http://schemas.microsoft.com/office/drawing/2014/main" id="{578E0291-96FE-4F46-A52C-A33FB20B453B}"/>
+              </a:ext>
+            </a:extLst>
+          </p:cNvPr>
+          <p:cNvPicPr>
+            <a:picLocks noChangeAspect="1"/>
+          </p:cNvPicPr>
+          <p:nvPr/>
+        </p:nvPicPr>
+        <p:blipFill>
+          <a:blip r:embed="rId3"/>
+          <a:stretch>
+            <a:fillRect/>
+          </a:stretch>
+        </p:blipFill>
+        <p:spPr>
+          <a:xfrm>
+            <a:off x="419821" y="4979264"/>
+            <a:ext cx="3110999" cy="1705454"/>
+          </a:xfrm>
+          <a:prstGeom prst="rect">
+            <a:avLst/>
+          </a:prstGeom>
+        </p:spPr>
+      </p:pic>
+      <p:pic>
+        <p:nvPicPr>
+          <p:cNvPr id="2050" name="Picture 2">
+            <a:extLst>
+              <a:ext uri="{FF2B5EF4-FFF2-40B4-BE49-F238E27FC236}">
+                <a16:creationId xmlns:a16="http://schemas.microsoft.com/office/drawing/2014/main" id="{2C36D235-B841-48B4-90C0-9C0D662D9EC9}"/>
+              </a:ext>
+            </a:extLst>
+          </p:cNvPr>
+          <p:cNvPicPr>
+            <a:picLocks noChangeAspect="1" noChangeArrowheads="1"/>
+          </p:cNvPicPr>
+          <p:nvPr/>
+        </p:nvPicPr>
+        <p:blipFill>
+          <a:blip r:embed="rId4">
+            <a:extLst>
+              <a:ext uri="{28A0092B-C50C-407E-A947-70E740481C1C}">
+                <a14:useLocalDpi xmlns:a14="http://schemas.microsoft.com/office/drawing/2010/main" val="0"/>
+              </a:ext>
+            </a:extLst>
+          </a:blip>
+          <a:srcRect/>
+          <a:stretch>
+            <a:fillRect/>
+          </a:stretch>
+        </p:blipFill>
+        <p:spPr bwMode="auto">
+          <a:xfrm>
+            <a:off x="6096000" y="651940"/>
+            <a:ext cx="5884718" cy="5777723"/>
+          </a:xfrm>
+          <a:prstGeom prst="rect">
+            <a:avLst/>
+          </a:prstGeom>
+          <a:noFill/>
+          <a:extLst>
+            <a:ext uri="{909E8E84-426E-40DD-AFC4-6F175D3DCCD1}">
+              <a14:hiddenFill xmlns:a14="http://schemas.microsoft.com/office/drawing/2010/main">
+                <a:solidFill>
+                  <a:srgbClr val="FFFFFF"/>
+                </a:solidFill>
+              </a14:hiddenFill>
+            </a:ext>
+          </a:extLst>
+        </p:spPr>
+      </p:pic>
+      <p:sp>
+        <p:nvSpPr>
+          <p:cNvPr id="10" name="TextBox 9">
+            <a:extLst>
+              <a:ext uri="{FF2B5EF4-FFF2-40B4-BE49-F238E27FC236}">
+                <a16:creationId xmlns:a16="http://schemas.microsoft.com/office/drawing/2014/main" id="{31882806-648C-4905-9B06-EFEBAAE99B54}"/>
+              </a:ext>
+            </a:extLst>
+          </p:cNvPr>
+          <p:cNvSpPr txBox="1"/>
+          <p:nvPr/>
+        </p:nvSpPr>
+        <p:spPr>
+          <a:xfrm>
+            <a:off x="419821" y="4051516"/>
+            <a:ext cx="2124364" cy="646331"/>
+          </a:xfrm>
+          <a:prstGeom prst="rect">
+            <a:avLst/>
+          </a:prstGeom>
+          <a:noFill/>
+        </p:spPr>
+        <p:txBody>
+          <a:bodyPr wrap="none" rtlCol="0">
+            <a:spAutoFit/>
+          </a:bodyPr>
+          <a:lstStyle/>
+          <a:p>
+            <a:r>
+              <a:rPr lang="es-419" dirty="0"/>
+              <a:t>Librería : </a:t>
+            </a:r>
+            <a:r>
+              <a:rPr lang="es-419" dirty="0" err="1"/>
+              <a:t>dlisio</a:t>
+            </a:r>
+            <a:endParaRPr lang="es-419" dirty="0"/>
+          </a:p>
+          <a:p>
+            <a:r>
+              <a:rPr lang="es-419" dirty="0"/>
+              <a:t>	</a:t>
+            </a:r>
+            <a:r>
+              <a:rPr lang="es-419" dirty="0" err="1"/>
+              <a:t>dlis.load</a:t>
+            </a:r>
+            <a:r>
+              <a:rPr lang="es-419" dirty="0"/>
+              <a:t>(*</a:t>
+            </a:r>
+            <a:r>
+              <a:rPr lang="es-419" dirty="0" err="1"/>
+              <a:t>args</a:t>
+            </a:r>
+            <a:r>
+              <a:rPr lang="es-419" dirty="0"/>
+              <a:t>)</a:t>
+            </a:r>
+            <a:endParaRPr lang="en-GB" dirty="0"/>
+          </a:p>
+        </p:txBody>
+      </p:sp>
+      <p:sp>
+        <p:nvSpPr>
+          <p:cNvPr id="11" name="TextBox 10">
+            <a:extLst>
+              <a:ext uri="{FF2B5EF4-FFF2-40B4-BE49-F238E27FC236}">
+                <a16:creationId xmlns:a16="http://schemas.microsoft.com/office/drawing/2014/main" id="{CC5C8BEB-B8F1-49F3-9814-739E7168B58C}"/>
+              </a:ext>
+            </a:extLst>
+          </p:cNvPr>
+          <p:cNvSpPr txBox="1"/>
+          <p:nvPr/>
+        </p:nvSpPr>
+        <p:spPr>
+          <a:xfrm>
+            <a:off x="3390521" y="4085922"/>
+            <a:ext cx="2845779" cy="646331"/>
+          </a:xfrm>
+          <a:prstGeom prst="rect">
+            <a:avLst/>
+          </a:prstGeom>
+          <a:noFill/>
+        </p:spPr>
+        <p:txBody>
+          <a:bodyPr wrap="none" rtlCol="0">
+            <a:spAutoFit/>
+          </a:bodyPr>
+          <a:lstStyle/>
+          <a:p>
+            <a:r>
+              <a:rPr lang="es-419" dirty="0"/>
+              <a:t>Librería : </a:t>
+            </a:r>
+            <a:r>
+              <a:rPr lang="es-419" dirty="0" err="1"/>
+              <a:t>matplotlib.pyplot</a:t>
+            </a:r>
+            <a:r>
+              <a:rPr lang="es-419" dirty="0"/>
+              <a:t> </a:t>
+            </a:r>
+          </a:p>
+          <a:p>
+            <a:r>
+              <a:rPr lang="es-419" dirty="0"/>
+              <a:t>	</a:t>
+            </a:r>
+            <a:r>
+              <a:rPr lang="es-419" dirty="0" err="1"/>
+              <a:t>plt.subplots</a:t>
+            </a:r>
+            <a:r>
+              <a:rPr lang="es-419" dirty="0"/>
+              <a:t>(*</a:t>
+            </a:r>
+            <a:r>
+              <a:rPr lang="es-419" dirty="0" err="1"/>
+              <a:t>args</a:t>
+            </a:r>
+            <a:r>
+              <a:rPr lang="es-419" dirty="0"/>
+              <a:t>)</a:t>
+            </a:r>
+            <a:endParaRPr lang="en-GB" dirty="0"/>
+          </a:p>
+        </p:txBody>
+      </p:sp>
+      <p:cxnSp>
+        <p:nvCxnSpPr>
+          <p:cNvPr id="12" name="Connector: Elbow 11">
+            <a:extLst>
+              <a:ext uri="{FF2B5EF4-FFF2-40B4-BE49-F238E27FC236}">
+                <a16:creationId xmlns:a16="http://schemas.microsoft.com/office/drawing/2014/main" id="{E3A5635C-1D19-4B87-9320-36875DA88765}"/>
+              </a:ext>
+            </a:extLst>
+          </p:cNvPr>
+          <p:cNvCxnSpPr>
+            <a:cxnSpLocks/>
+            <a:stCxn id="5" idx="2"/>
+            <a:endCxn id="10" idx="0"/>
+          </p:cNvCxnSpPr>
+          <p:nvPr/>
+        </p:nvCxnSpPr>
+        <p:spPr>
+          <a:xfrm rot="5400000">
+            <a:off x="1842120" y="3409983"/>
+            <a:ext cx="281416" cy="1001650"/>
+          </a:xfrm>
+          <a:prstGeom prst="bentConnector3">
+            <a:avLst>
+              <a:gd name="adj1" fmla="val 33754"/>
+            </a:avLst>
+          </a:prstGeom>
+          <a:ln w="38100">
+            <a:tailEnd type="triangle"/>
+          </a:ln>
+        </p:spPr>
+        <p:style>
+          <a:lnRef idx="1">
+            <a:schemeClr val="accent1"/>
+          </a:lnRef>
+          <a:fillRef idx="0">
+            <a:schemeClr val="accent1"/>
+          </a:fillRef>
+          <a:effectRef idx="0">
+            <a:schemeClr val="accent1"/>
+          </a:effectRef>
+          <a:fontRef idx="minor">
+            <a:schemeClr val="tx1"/>
+          </a:fontRef>
+        </p:style>
+      </p:cxnSp>
+      <p:cxnSp>
+        <p:nvCxnSpPr>
+          <p:cNvPr id="13" name="Connector: Elbow 12">
+            <a:extLst>
+              <a:ext uri="{FF2B5EF4-FFF2-40B4-BE49-F238E27FC236}">
+                <a16:creationId xmlns:a16="http://schemas.microsoft.com/office/drawing/2014/main" id="{EACA1952-8E3D-496B-BCEB-31B6291573ED}"/>
+              </a:ext>
+            </a:extLst>
+          </p:cNvPr>
+          <p:cNvCxnSpPr>
+            <a:cxnSpLocks/>
+            <a:stCxn id="10" idx="2"/>
+            <a:endCxn id="8" idx="0"/>
+          </p:cNvCxnSpPr>
+          <p:nvPr/>
+        </p:nvCxnSpPr>
+        <p:spPr>
+          <a:xfrm rot="16200000" flipH="1">
+            <a:off x="1587954" y="4591896"/>
+            <a:ext cx="281417" cy="493318"/>
+          </a:xfrm>
+          <a:prstGeom prst="bentConnector3">
+            <a:avLst>
+              <a:gd name="adj1" fmla="val 50000"/>
+            </a:avLst>
+          </a:prstGeom>
+          <a:ln w="38100">
+            <a:tailEnd type="triangle"/>
+          </a:ln>
+        </p:spPr>
+        <p:style>
+          <a:lnRef idx="1">
+            <a:schemeClr val="accent1"/>
+          </a:lnRef>
+          <a:fillRef idx="0">
+            <a:schemeClr val="accent1"/>
+          </a:fillRef>
+          <a:effectRef idx="0">
+            <a:schemeClr val="accent1"/>
+          </a:effectRef>
+          <a:fontRef idx="minor">
+            <a:schemeClr val="tx1"/>
+          </a:fontRef>
+        </p:style>
+      </p:cxnSp>
+      <p:cxnSp>
+        <p:nvCxnSpPr>
+          <p:cNvPr id="14" name="Connector: Elbow 13">
+            <a:extLst>
+              <a:ext uri="{FF2B5EF4-FFF2-40B4-BE49-F238E27FC236}">
+                <a16:creationId xmlns:a16="http://schemas.microsoft.com/office/drawing/2014/main" id="{8C71819F-B1D3-4FA0-B0AE-183312E11C86}"/>
+              </a:ext>
+            </a:extLst>
+          </p:cNvPr>
+          <p:cNvCxnSpPr>
+            <a:cxnSpLocks/>
+            <a:stCxn id="8" idx="3"/>
+            <a:endCxn id="11" idx="2"/>
+          </p:cNvCxnSpPr>
+          <p:nvPr/>
+        </p:nvCxnSpPr>
+        <p:spPr>
+          <a:xfrm flipV="1">
+            <a:off x="3530820" y="4732253"/>
+            <a:ext cx="1282591" cy="1099738"/>
+          </a:xfrm>
+          <a:prstGeom prst="bentConnector2">
+            <a:avLst/>
+          </a:prstGeom>
+          <a:ln w="38100">
+            <a:tailEnd type="triangle"/>
+          </a:ln>
+        </p:spPr>
+        <p:style>
+          <a:lnRef idx="1">
+            <a:schemeClr val="accent1"/>
+          </a:lnRef>
+          <a:fillRef idx="0">
+            <a:schemeClr val="accent1"/>
+          </a:fillRef>
+          <a:effectRef idx="0">
+            <a:schemeClr val="accent1"/>
+          </a:effectRef>
+          <a:fontRef idx="minor">
+            <a:schemeClr val="tx1"/>
+          </a:fontRef>
+        </p:style>
+      </p:cxnSp>
+      <p:cxnSp>
+        <p:nvCxnSpPr>
+          <p:cNvPr id="15" name="Connector: Elbow 14">
+            <a:extLst>
+              <a:ext uri="{FF2B5EF4-FFF2-40B4-BE49-F238E27FC236}">
+                <a16:creationId xmlns:a16="http://schemas.microsoft.com/office/drawing/2014/main" id="{13049791-1161-434E-990C-505CFA918829}"/>
+              </a:ext>
+            </a:extLst>
+          </p:cNvPr>
+          <p:cNvCxnSpPr>
+            <a:cxnSpLocks/>
+            <a:stCxn id="11" idx="0"/>
+            <a:endCxn id="2050" idx="1"/>
+          </p:cNvCxnSpPr>
+          <p:nvPr/>
+        </p:nvCxnSpPr>
+        <p:spPr>
+          <a:xfrm rot="5400000" flipH="1" flipV="1">
+            <a:off x="5182145" y="3172068"/>
+            <a:ext cx="545120" cy="1282589"/>
+          </a:xfrm>
+          <a:prstGeom prst="bentConnector2">
+            <a:avLst/>
+          </a:prstGeom>
+          <a:ln w="38100">
+            <a:tailEnd type="triangle"/>
+          </a:ln>
+        </p:spPr>
+        <p:style>
+          <a:lnRef idx="1">
+            <a:schemeClr val="accent1"/>
+          </a:lnRef>
+          <a:fillRef idx="0">
+            <a:schemeClr val="accent1"/>
+          </a:fillRef>
+          <a:effectRef idx="0">
+            <a:schemeClr val="accent1"/>
+          </a:effectRef>
+          <a:fontRef idx="minor">
+            <a:schemeClr val="tx1"/>
+          </a:fontRef>
+        </p:style>
+      </p:cxnSp>
+    </p:spTree>
+    <p:extLst>
+      <p:ext uri="{BB962C8B-B14F-4D97-AF65-F5344CB8AC3E}">
+        <p14:creationId xmlns:p14="http://schemas.microsoft.com/office/powerpoint/2010/main" val="1585539323"/>
+      </p:ext>
+    </p:extLst>
+  </p:cSld>
+  <p:clrMapOvr>
+    <a:masterClrMapping/>
+  </p:clrMapOvr>
+</p:sld>
+</file>
+
+<file path=ppt/slides/slide17.xml><?xml version="1.0" encoding="utf-8"?>
+<p:sld xmlns:a="http://schemas.openxmlformats.org/drawingml/2006/main" xmlns:r="http://schemas.openxmlformats.org/officeDocument/2006/relationships" xmlns:p="http://schemas.openxmlformats.org/presentationml/2006/main">
+  <p:cSld>
+    <p:spTree>
+      <p:nvGrpSpPr>
+        <p:cNvPr id="1" name=""/>
+        <p:cNvGrpSpPr/>
+        <p:nvPr/>
+      </p:nvGrpSpPr>
+      <p:grpSpPr>
+        <a:xfrm>
+          <a:off x="0" y="0"/>
+          <a:ext cx="0" cy="0"/>
+          <a:chOff x="0" y="0"/>
+          <a:chExt cx="0" cy="0"/>
+        </a:xfrm>
+      </p:grpSpPr>
+      <p:sp>
+        <p:nvSpPr>
+          <p:cNvPr id="2" name="Title 1">
+            <a:extLst>
+              <a:ext uri="{FF2B5EF4-FFF2-40B4-BE49-F238E27FC236}">
+                <a16:creationId xmlns:a16="http://schemas.microsoft.com/office/drawing/2014/main" id="{9865EACC-80DF-47AE-ADB6-88D755EB80CA}"/>
+              </a:ext>
+            </a:extLst>
+          </p:cNvPr>
+          <p:cNvSpPr>
+            <a:spLocks noGrp="1"/>
+          </p:cNvSpPr>
+          <p:nvPr>
+            <p:ph type="title"/>
+          </p:nvPr>
+        </p:nvSpPr>
+        <p:spPr/>
+        <p:txBody>
+          <a:bodyPr/>
+          <a:lstStyle/>
+          <a:p>
+            <a:r>
+              <a:rPr lang="es-419" dirty="0"/>
+              <a:t>Archivo Separado por comas (.</a:t>
+            </a:r>
+            <a:r>
+              <a:rPr lang="es-419" dirty="0" err="1"/>
+              <a:t>csv</a:t>
+            </a:r>
+            <a:r>
+              <a:rPr lang="es-419" dirty="0"/>
+              <a:t>)</a:t>
+            </a:r>
+          </a:p>
+        </p:txBody>
+      </p:sp>
+      <p:pic>
+        <p:nvPicPr>
+          <p:cNvPr id="5" name="Picture 4">
+            <a:extLst>
+              <a:ext uri="{FF2B5EF4-FFF2-40B4-BE49-F238E27FC236}">
+                <a16:creationId xmlns:a16="http://schemas.microsoft.com/office/drawing/2014/main" id="{8AF69F91-5860-44DA-872F-D5DCA8A172A8}"/>
+              </a:ext>
+            </a:extLst>
+          </p:cNvPr>
+          <p:cNvPicPr>
+            <a:picLocks noChangeAspect="1"/>
+          </p:cNvPicPr>
+          <p:nvPr/>
+        </p:nvPicPr>
+        <p:blipFill>
+          <a:blip r:embed="rId2"/>
+          <a:stretch>
+            <a:fillRect/>
+          </a:stretch>
+        </p:blipFill>
+        <p:spPr>
+          <a:xfrm>
+            <a:off x="266700" y="1760220"/>
+            <a:ext cx="6886575" cy="1371600"/>
+          </a:xfrm>
+          <a:prstGeom prst="rect">
+            <a:avLst/>
+          </a:prstGeom>
+        </p:spPr>
+      </p:pic>
+      <p:pic>
+        <p:nvPicPr>
+          <p:cNvPr id="7" name="Picture 6">
+            <a:extLst>
+              <a:ext uri="{FF2B5EF4-FFF2-40B4-BE49-F238E27FC236}">
+                <a16:creationId xmlns:a16="http://schemas.microsoft.com/office/drawing/2014/main" id="{6EE334C0-852D-4FB4-BEFC-AC85ABD8F2B8}"/>
+              </a:ext>
+            </a:extLst>
+          </p:cNvPr>
+          <p:cNvPicPr>
+            <a:picLocks noChangeAspect="1"/>
+          </p:cNvPicPr>
+          <p:nvPr/>
+        </p:nvPicPr>
+        <p:blipFill>
+          <a:blip r:embed="rId3"/>
+          <a:stretch>
+            <a:fillRect/>
+          </a:stretch>
+        </p:blipFill>
+        <p:spPr>
+          <a:xfrm>
+            <a:off x="266701" y="3911573"/>
+            <a:ext cx="4419600" cy="2774893"/>
+          </a:xfrm>
+          <a:prstGeom prst="rect">
+            <a:avLst/>
+          </a:prstGeom>
+        </p:spPr>
+      </p:pic>
+      <p:sp>
+        <p:nvSpPr>
+          <p:cNvPr id="8" name="TextBox 7">
+            <a:extLst>
+              <a:ext uri="{FF2B5EF4-FFF2-40B4-BE49-F238E27FC236}">
+                <a16:creationId xmlns:a16="http://schemas.microsoft.com/office/drawing/2014/main" id="{0C48FC72-0304-4A15-B326-4F86985ACE83}"/>
+              </a:ext>
+            </a:extLst>
+          </p:cNvPr>
+          <p:cNvSpPr txBox="1"/>
+          <p:nvPr/>
+        </p:nvSpPr>
+        <p:spPr>
+          <a:xfrm>
+            <a:off x="4158191" y="3378271"/>
+            <a:ext cx="2419252" cy="646331"/>
+          </a:xfrm>
+          <a:prstGeom prst="rect">
+            <a:avLst/>
+          </a:prstGeom>
+          <a:noFill/>
+        </p:spPr>
+        <p:txBody>
+          <a:bodyPr wrap="none" rtlCol="0">
+            <a:spAutoFit/>
+          </a:bodyPr>
+          <a:lstStyle/>
+          <a:p>
+            <a:r>
+              <a:rPr lang="es-419" dirty="0"/>
+              <a:t>Librería : Pandas</a:t>
+            </a:r>
+          </a:p>
+          <a:p>
+            <a:r>
+              <a:rPr lang="es-419" dirty="0"/>
+              <a:t>	</a:t>
+            </a:r>
+            <a:r>
+              <a:rPr lang="es-419" dirty="0" err="1"/>
+              <a:t>pd.read_csv</a:t>
+            </a:r>
+            <a:r>
+              <a:rPr lang="es-419" dirty="0"/>
+              <a:t>(*</a:t>
+            </a:r>
+            <a:r>
+              <a:rPr lang="es-419" dirty="0" err="1"/>
+              <a:t>args</a:t>
+            </a:r>
+            <a:r>
+              <a:rPr lang="es-419" dirty="0"/>
+              <a:t>)</a:t>
+            </a:r>
+            <a:endParaRPr lang="en-GB" dirty="0"/>
+          </a:p>
+        </p:txBody>
+      </p:sp>
+      <p:sp>
+        <p:nvSpPr>
+          <p:cNvPr id="9" name="TextBox 8">
+            <a:extLst>
+              <a:ext uri="{FF2B5EF4-FFF2-40B4-BE49-F238E27FC236}">
+                <a16:creationId xmlns:a16="http://schemas.microsoft.com/office/drawing/2014/main" id="{B2524D91-BBFD-46FA-B116-4F043A89F611}"/>
+              </a:ext>
+            </a:extLst>
+          </p:cNvPr>
+          <p:cNvSpPr txBox="1"/>
+          <p:nvPr/>
+        </p:nvSpPr>
+        <p:spPr>
+          <a:xfrm>
+            <a:off x="5055106" y="5449438"/>
+            <a:ext cx="2845779" cy="646331"/>
+          </a:xfrm>
+          <a:prstGeom prst="rect">
+            <a:avLst/>
+          </a:prstGeom>
+          <a:noFill/>
+        </p:spPr>
+        <p:txBody>
+          <a:bodyPr wrap="none" rtlCol="0">
+            <a:spAutoFit/>
+          </a:bodyPr>
+          <a:lstStyle/>
+          <a:p>
+            <a:r>
+              <a:rPr lang="es-419" dirty="0"/>
+              <a:t>Librería : </a:t>
+            </a:r>
+            <a:r>
+              <a:rPr lang="es-419" dirty="0" err="1"/>
+              <a:t>matplotlib.pyplot</a:t>
+            </a:r>
+            <a:r>
+              <a:rPr lang="es-419" dirty="0"/>
+              <a:t> </a:t>
+            </a:r>
+          </a:p>
+          <a:p>
+            <a:r>
+              <a:rPr lang="es-419" dirty="0"/>
+              <a:t>	</a:t>
+            </a:r>
+            <a:r>
+              <a:rPr lang="es-419" dirty="0" err="1"/>
+              <a:t>plt.subplots</a:t>
+            </a:r>
+            <a:r>
+              <a:rPr lang="es-419" dirty="0"/>
+              <a:t>(*</a:t>
+            </a:r>
+            <a:r>
+              <a:rPr lang="es-419" dirty="0" err="1"/>
+              <a:t>args</a:t>
+            </a:r>
+            <a:r>
+              <a:rPr lang="es-419" dirty="0"/>
+              <a:t>)</a:t>
+            </a:r>
+            <a:endParaRPr lang="en-GB" dirty="0"/>
+          </a:p>
+        </p:txBody>
+      </p:sp>
+      <p:cxnSp>
+        <p:nvCxnSpPr>
+          <p:cNvPr id="10" name="Connector: Elbow 9">
+            <a:extLst>
+              <a:ext uri="{FF2B5EF4-FFF2-40B4-BE49-F238E27FC236}">
+                <a16:creationId xmlns:a16="http://schemas.microsoft.com/office/drawing/2014/main" id="{8DDED193-0D45-40F4-81EC-FBF4E3357A19}"/>
+              </a:ext>
+            </a:extLst>
+          </p:cNvPr>
+          <p:cNvCxnSpPr>
+            <a:cxnSpLocks/>
+            <a:stCxn id="5" idx="2"/>
+            <a:endCxn id="8" idx="0"/>
+          </p:cNvCxnSpPr>
+          <p:nvPr/>
+        </p:nvCxnSpPr>
+        <p:spPr>
+          <a:xfrm rot="16200000" flipH="1">
+            <a:off x="4415677" y="2426130"/>
+            <a:ext cx="246451" cy="1657829"/>
+          </a:xfrm>
+          <a:prstGeom prst="bentConnector3">
+            <a:avLst>
+              <a:gd name="adj1" fmla="val 19081"/>
+            </a:avLst>
+          </a:prstGeom>
+          <a:ln w="38100">
+            <a:tailEnd type="triangle"/>
+          </a:ln>
+        </p:spPr>
+        <p:style>
+          <a:lnRef idx="1">
+            <a:schemeClr val="accent1"/>
+          </a:lnRef>
+          <a:fillRef idx="0">
+            <a:schemeClr val="accent1"/>
+          </a:fillRef>
+          <a:effectRef idx="0">
+            <a:schemeClr val="accent1"/>
+          </a:effectRef>
+          <a:fontRef idx="minor">
+            <a:schemeClr val="tx1"/>
+          </a:fontRef>
+        </p:style>
+      </p:cxnSp>
+      <p:cxnSp>
+        <p:nvCxnSpPr>
+          <p:cNvPr id="11" name="Connector: Elbow 10">
+            <a:extLst>
+              <a:ext uri="{FF2B5EF4-FFF2-40B4-BE49-F238E27FC236}">
+                <a16:creationId xmlns:a16="http://schemas.microsoft.com/office/drawing/2014/main" id="{04883A97-FB80-4CCF-82D6-DCDB2DC3FEE1}"/>
+              </a:ext>
+            </a:extLst>
+          </p:cNvPr>
+          <p:cNvCxnSpPr>
+            <a:cxnSpLocks/>
+            <a:stCxn id="8" idx="2"/>
+          </p:cNvCxnSpPr>
+          <p:nvPr/>
+        </p:nvCxnSpPr>
+        <p:spPr>
+          <a:xfrm rot="5400000">
+            <a:off x="4903642" y="3846329"/>
+            <a:ext cx="285903" cy="642448"/>
+          </a:xfrm>
+          <a:prstGeom prst="bentConnector2">
+            <a:avLst/>
+          </a:prstGeom>
+          <a:ln w="38100">
+            <a:tailEnd type="triangle"/>
+          </a:ln>
+        </p:spPr>
+        <p:style>
+          <a:lnRef idx="1">
+            <a:schemeClr val="accent1"/>
+          </a:lnRef>
+          <a:fillRef idx="0">
+            <a:schemeClr val="accent1"/>
+          </a:fillRef>
+          <a:effectRef idx="0">
+            <a:schemeClr val="accent1"/>
+          </a:effectRef>
+          <a:fontRef idx="minor">
+            <a:schemeClr val="tx1"/>
+          </a:fontRef>
+        </p:style>
+      </p:cxnSp>
+      <p:cxnSp>
+        <p:nvCxnSpPr>
+          <p:cNvPr id="12" name="Connector: Elbow 11">
+            <a:extLst>
+              <a:ext uri="{FF2B5EF4-FFF2-40B4-BE49-F238E27FC236}">
+                <a16:creationId xmlns:a16="http://schemas.microsoft.com/office/drawing/2014/main" id="{A82701B0-776D-4B28-BF33-CE8D31FB2EF3}"/>
+              </a:ext>
+            </a:extLst>
+          </p:cNvPr>
+          <p:cNvCxnSpPr>
+            <a:cxnSpLocks/>
+            <a:endCxn id="9" idx="2"/>
+          </p:cNvCxnSpPr>
+          <p:nvPr/>
+        </p:nvCxnSpPr>
+        <p:spPr>
+          <a:xfrm flipV="1">
+            <a:off x="4725369" y="6095769"/>
+            <a:ext cx="1752627" cy="321566"/>
+          </a:xfrm>
+          <a:prstGeom prst="bentConnector2">
+            <a:avLst/>
+          </a:prstGeom>
+          <a:ln w="38100">
+            <a:tailEnd type="triangle"/>
+          </a:ln>
+        </p:spPr>
+        <p:style>
+          <a:lnRef idx="1">
+            <a:schemeClr val="accent1"/>
+          </a:lnRef>
+          <a:fillRef idx="0">
+            <a:schemeClr val="accent1"/>
+          </a:fillRef>
+          <a:effectRef idx="0">
+            <a:schemeClr val="accent1"/>
+          </a:effectRef>
+          <a:fontRef idx="minor">
+            <a:schemeClr val="tx1"/>
+          </a:fontRef>
+        </p:style>
+      </p:cxnSp>
+      <p:cxnSp>
+        <p:nvCxnSpPr>
+          <p:cNvPr id="13" name="Connector: Elbow 12">
+            <a:extLst>
+              <a:ext uri="{FF2B5EF4-FFF2-40B4-BE49-F238E27FC236}">
+                <a16:creationId xmlns:a16="http://schemas.microsoft.com/office/drawing/2014/main" id="{EE032423-BFC9-4AA2-8538-C1C8D0F0FDE4}"/>
+              </a:ext>
+            </a:extLst>
+          </p:cNvPr>
+          <p:cNvCxnSpPr>
+            <a:cxnSpLocks/>
+            <a:stCxn id="9" idx="0"/>
+            <a:endCxn id="14" idx="1"/>
+          </p:cNvCxnSpPr>
+          <p:nvPr/>
+        </p:nvCxnSpPr>
+        <p:spPr>
+          <a:xfrm rot="5400000" flipH="1" flipV="1">
+            <a:off x="6602188" y="4111674"/>
+            <a:ext cx="1213572" cy="1461957"/>
+          </a:xfrm>
+          <a:prstGeom prst="bentConnector2">
+            <a:avLst/>
+          </a:prstGeom>
+          <a:ln w="38100">
+            <a:tailEnd type="triangle"/>
+          </a:ln>
+        </p:spPr>
+        <p:style>
+          <a:lnRef idx="1">
+            <a:schemeClr val="accent1"/>
+          </a:lnRef>
+          <a:fillRef idx="0">
+            <a:schemeClr val="accent1"/>
+          </a:fillRef>
+          <a:effectRef idx="0">
+            <a:schemeClr val="accent1"/>
+          </a:effectRef>
+          <a:fontRef idx="minor">
+            <a:schemeClr val="tx1"/>
+          </a:fontRef>
+        </p:style>
+      </p:cxnSp>
+      <p:pic>
+        <p:nvPicPr>
+          <p:cNvPr id="14" name="Picture 13">
+            <a:extLst>
+              <a:ext uri="{FF2B5EF4-FFF2-40B4-BE49-F238E27FC236}">
+                <a16:creationId xmlns:a16="http://schemas.microsoft.com/office/drawing/2014/main" id="{D03CE9C2-09B0-4E43-A9C8-8629FF637AF7}"/>
+              </a:ext>
+            </a:extLst>
+          </p:cNvPr>
+          <p:cNvPicPr>
+            <a:picLocks noChangeAspect="1"/>
+          </p:cNvPicPr>
+          <p:nvPr/>
+        </p:nvPicPr>
+        <p:blipFill>
+          <a:blip r:embed="rId4"/>
+          <a:stretch>
+            <a:fillRect/>
+          </a:stretch>
+        </p:blipFill>
+        <p:spPr>
+          <a:xfrm>
+            <a:off x="7939953" y="2015588"/>
+            <a:ext cx="4085544" cy="4440555"/>
+          </a:xfrm>
+          <a:prstGeom prst="rect">
+            <a:avLst/>
+          </a:prstGeom>
+        </p:spPr>
+      </p:pic>
+    </p:spTree>
+    <p:extLst>
+      <p:ext uri="{BB962C8B-B14F-4D97-AF65-F5344CB8AC3E}">
+        <p14:creationId xmlns:p14="http://schemas.microsoft.com/office/powerpoint/2010/main" val="3766637161"/>
+      </p:ext>
+    </p:extLst>
+  </p:cSld>
+  <p:clrMapOvr>
+    <a:masterClrMapping/>
+  </p:clrMapOvr>
+</p:sld>
+</file>
+
+<file path=ppt/slides/slide18.xml><?xml version="1.0" encoding="utf-8"?>
+<p:sld xmlns:a="http://schemas.openxmlformats.org/drawingml/2006/main" xmlns:r="http://schemas.openxmlformats.org/officeDocument/2006/relationships" xmlns:p="http://schemas.openxmlformats.org/presentationml/2006/main">
+  <p:cSld>
+    <p:spTree>
+      <p:nvGrpSpPr>
+        <p:cNvPr id="1" name=""/>
+        <p:cNvGrpSpPr/>
+        <p:nvPr/>
+      </p:nvGrpSpPr>
+      <p:grpSpPr>
+        <a:xfrm>
+          <a:off x="0" y="0"/>
+          <a:ext cx="0" cy="0"/>
+          <a:chOff x="0" y="0"/>
+          <a:chExt cx="0" cy="0"/>
+        </a:xfrm>
+      </p:grpSpPr>
+      <p:sp>
+        <p:nvSpPr>
+          <p:cNvPr id="2" name="Title 1">
+            <a:extLst>
+              <a:ext uri="{FF2B5EF4-FFF2-40B4-BE49-F238E27FC236}">
+                <a16:creationId xmlns:a16="http://schemas.microsoft.com/office/drawing/2014/main" id="{04091EFF-7126-4F60-BD7A-E32E6A2AB4AB}"/>
+              </a:ext>
+            </a:extLst>
+          </p:cNvPr>
+          <p:cNvSpPr>
+            <a:spLocks noGrp="1"/>
+          </p:cNvSpPr>
+          <p:nvPr>
+            <p:ph type="title"/>
+          </p:nvPr>
+        </p:nvSpPr>
+        <p:spPr/>
+        <p:txBody>
+          <a:bodyPr/>
+          <a:lstStyle/>
+          <a:p>
+            <a:r>
+              <a:rPr lang="es-419" dirty="0" err="1"/>
+              <a:t>Survey</a:t>
+            </a:r>
+            <a:r>
+              <a:rPr lang="es-419" dirty="0"/>
+              <a:t> de perforación  </a:t>
+            </a:r>
+            <a:r>
+              <a:rPr lang="es-419" i="1" dirty="0"/>
+              <a:t>(.</a:t>
+            </a:r>
+            <a:r>
+              <a:rPr lang="es-419" i="1" dirty="0" err="1"/>
+              <a:t>xml</a:t>
+            </a:r>
+            <a:r>
+              <a:rPr lang="es-419" i="1" dirty="0"/>
+              <a:t>)</a:t>
+            </a:r>
+          </a:p>
+        </p:txBody>
+      </p:sp>
+      <p:pic>
+        <p:nvPicPr>
+          <p:cNvPr id="4" name="Picture 3">
+            <a:extLst>
+              <a:ext uri="{FF2B5EF4-FFF2-40B4-BE49-F238E27FC236}">
+                <a16:creationId xmlns:a16="http://schemas.microsoft.com/office/drawing/2014/main" id="{29DDEAB0-D393-4837-8A29-6ADAA72D5324}"/>
+              </a:ext>
+            </a:extLst>
+          </p:cNvPr>
+          <p:cNvPicPr>
+            <a:picLocks noChangeAspect="1"/>
+          </p:cNvPicPr>
+          <p:nvPr/>
+        </p:nvPicPr>
+        <p:blipFill rotWithShape="1">
+          <a:blip r:embed="rId2"/>
+          <a:srcRect l="3870" b="50189"/>
+          <a:stretch/>
+        </p:blipFill>
+        <p:spPr>
+          <a:xfrm>
+            <a:off x="400049" y="1775568"/>
+            <a:ext cx="5380097" cy="1929657"/>
+          </a:xfrm>
+          <a:prstGeom prst="rect">
+            <a:avLst/>
+          </a:prstGeom>
+        </p:spPr>
+      </p:pic>
+      <p:pic>
+        <p:nvPicPr>
+          <p:cNvPr id="6" name="Picture 5">
+            <a:extLst>
+              <a:ext uri="{FF2B5EF4-FFF2-40B4-BE49-F238E27FC236}">
+                <a16:creationId xmlns:a16="http://schemas.microsoft.com/office/drawing/2014/main" id="{DAB221B8-F82E-425E-B3EE-286A1CB5E03E}"/>
+              </a:ext>
+            </a:extLst>
+          </p:cNvPr>
+          <p:cNvPicPr>
+            <a:picLocks noChangeAspect="1"/>
+          </p:cNvPicPr>
+          <p:nvPr/>
+        </p:nvPicPr>
+        <p:blipFill rotWithShape="1">
+          <a:blip r:embed="rId3"/>
+          <a:srcRect l="2349" r="41409"/>
+          <a:stretch/>
+        </p:blipFill>
+        <p:spPr>
+          <a:xfrm>
+            <a:off x="6826345" y="1547812"/>
+            <a:ext cx="3990975" cy="3762375"/>
+          </a:xfrm>
+          <a:prstGeom prst="rect">
+            <a:avLst/>
+          </a:prstGeom>
+        </p:spPr>
+      </p:pic>
+      <p:pic>
+        <p:nvPicPr>
+          <p:cNvPr id="8" name="Picture 7">
+            <a:extLst>
+              <a:ext uri="{FF2B5EF4-FFF2-40B4-BE49-F238E27FC236}">
+                <a16:creationId xmlns:a16="http://schemas.microsoft.com/office/drawing/2014/main" id="{A33332FC-BEE8-4212-8B0A-9E5EE324D132}"/>
+              </a:ext>
+            </a:extLst>
+          </p:cNvPr>
+          <p:cNvPicPr>
+            <a:picLocks noChangeAspect="1"/>
+          </p:cNvPicPr>
+          <p:nvPr/>
+        </p:nvPicPr>
+        <p:blipFill rotWithShape="1">
+          <a:blip r:embed="rId3"/>
+          <a:srcRect l="88926"/>
+          <a:stretch/>
+        </p:blipFill>
+        <p:spPr>
+          <a:xfrm>
+            <a:off x="10885524" y="1547812"/>
+            <a:ext cx="785812" cy="3762375"/>
+          </a:xfrm>
+          <a:prstGeom prst="rect">
+            <a:avLst/>
+          </a:prstGeom>
+        </p:spPr>
+      </p:pic>
+      <p:pic>
+        <p:nvPicPr>
+          <p:cNvPr id="10" name="Picture 9">
+            <a:extLst>
+              <a:ext uri="{FF2B5EF4-FFF2-40B4-BE49-F238E27FC236}">
+                <a16:creationId xmlns:a16="http://schemas.microsoft.com/office/drawing/2014/main" id="{9DB78C95-92F2-4D4C-96DD-CB25EDAFF22C}"/>
+              </a:ext>
+            </a:extLst>
+          </p:cNvPr>
+          <p:cNvPicPr>
+            <a:picLocks noChangeAspect="1"/>
+          </p:cNvPicPr>
+          <p:nvPr/>
+        </p:nvPicPr>
+        <p:blipFill>
+          <a:blip r:embed="rId4"/>
+          <a:stretch>
+            <a:fillRect/>
+          </a:stretch>
+        </p:blipFill>
+        <p:spPr>
+          <a:xfrm>
+            <a:off x="335600" y="4446137"/>
+            <a:ext cx="3790951" cy="2254251"/>
+          </a:xfrm>
+          <a:prstGeom prst="rect">
+            <a:avLst/>
+          </a:prstGeom>
+        </p:spPr>
+      </p:pic>
+      <p:sp>
+        <p:nvSpPr>
+          <p:cNvPr id="11" name="TextBox 10">
+            <a:extLst>
+              <a:ext uri="{FF2B5EF4-FFF2-40B4-BE49-F238E27FC236}">
+                <a16:creationId xmlns:a16="http://schemas.microsoft.com/office/drawing/2014/main" id="{8B1182BF-D298-41A1-96A6-66919324A99B}"/>
+              </a:ext>
+            </a:extLst>
+          </p:cNvPr>
+          <p:cNvSpPr txBox="1"/>
+          <p:nvPr/>
+        </p:nvSpPr>
+        <p:spPr>
+          <a:xfrm>
+            <a:off x="3523166" y="3353414"/>
+            <a:ext cx="2993640" cy="646331"/>
+          </a:xfrm>
+          <a:prstGeom prst="rect">
+            <a:avLst/>
+          </a:prstGeom>
+          <a:noFill/>
+        </p:spPr>
+        <p:txBody>
+          <a:bodyPr wrap="none" rtlCol="0">
+            <a:spAutoFit/>
+          </a:bodyPr>
+          <a:lstStyle/>
+          <a:p>
+            <a:r>
+              <a:rPr lang="es-419" dirty="0"/>
+              <a:t>Librería : bs4</a:t>
+            </a:r>
+          </a:p>
+          <a:p>
+            <a:r>
+              <a:rPr lang="es-419" dirty="0"/>
+              <a:t>	bs4.BeautifulSoup(*</a:t>
+            </a:r>
+            <a:r>
+              <a:rPr lang="es-419" dirty="0" err="1"/>
+              <a:t>args</a:t>
+            </a:r>
+            <a:r>
+              <a:rPr lang="es-419" dirty="0"/>
+              <a:t>)</a:t>
+            </a:r>
+            <a:endParaRPr lang="en-GB" dirty="0"/>
+          </a:p>
+        </p:txBody>
+      </p:sp>
+      <p:sp>
+        <p:nvSpPr>
+          <p:cNvPr id="12" name="TextBox 11">
+            <a:extLst>
+              <a:ext uri="{FF2B5EF4-FFF2-40B4-BE49-F238E27FC236}">
+                <a16:creationId xmlns:a16="http://schemas.microsoft.com/office/drawing/2014/main" id="{4AA34CD4-16DC-4CA5-B4F3-1F30D481A98A}"/>
+              </a:ext>
+            </a:extLst>
+          </p:cNvPr>
+          <p:cNvSpPr txBox="1"/>
+          <p:nvPr/>
+        </p:nvSpPr>
+        <p:spPr>
+          <a:xfrm>
+            <a:off x="5319170" y="5662471"/>
+            <a:ext cx="2395271" cy="646331"/>
+          </a:xfrm>
+          <a:prstGeom prst="rect">
+            <a:avLst/>
+          </a:prstGeom>
+          <a:noFill/>
+        </p:spPr>
+        <p:txBody>
+          <a:bodyPr wrap="none" rtlCol="0">
+            <a:spAutoFit/>
+          </a:bodyPr>
+          <a:lstStyle/>
+          <a:p>
+            <a:r>
+              <a:rPr lang="es-419" dirty="0"/>
+              <a:t>Librería : </a:t>
+            </a:r>
+            <a:r>
+              <a:rPr lang="es-419" dirty="0" err="1"/>
+              <a:t>plotly.express</a:t>
+            </a:r>
+            <a:endParaRPr lang="es-419" dirty="0"/>
+          </a:p>
+          <a:p>
+            <a:r>
+              <a:rPr lang="es-419" dirty="0"/>
+              <a:t>	</a:t>
+            </a:r>
+            <a:r>
+              <a:rPr lang="es-419" dirty="0" err="1"/>
+              <a:t>px</a:t>
+            </a:r>
+            <a:r>
+              <a:rPr lang="es-419" dirty="0"/>
+              <a:t>. </a:t>
+            </a:r>
+            <a:r>
+              <a:rPr lang="es-419" dirty="0" err="1"/>
+              <a:t>scatter</a:t>
+            </a:r>
+            <a:r>
+              <a:rPr lang="es-419" dirty="0"/>
+              <a:t>(*</a:t>
+            </a:r>
+            <a:r>
+              <a:rPr lang="es-419" dirty="0" err="1"/>
+              <a:t>args</a:t>
+            </a:r>
+            <a:r>
+              <a:rPr lang="es-419" dirty="0"/>
+              <a:t>)</a:t>
+            </a:r>
+            <a:endParaRPr lang="en-GB" dirty="0"/>
+          </a:p>
+        </p:txBody>
+      </p:sp>
+      <p:cxnSp>
+        <p:nvCxnSpPr>
+          <p:cNvPr id="13" name="Connector: Elbow 12">
+            <a:extLst>
+              <a:ext uri="{FF2B5EF4-FFF2-40B4-BE49-F238E27FC236}">
+                <a16:creationId xmlns:a16="http://schemas.microsoft.com/office/drawing/2014/main" id="{B10AB6B0-36E9-4391-9206-5D6473AD7720}"/>
+              </a:ext>
+            </a:extLst>
+          </p:cNvPr>
+          <p:cNvCxnSpPr>
+            <a:cxnSpLocks/>
+            <a:endCxn id="11" idx="0"/>
+          </p:cNvCxnSpPr>
+          <p:nvPr/>
+        </p:nvCxnSpPr>
+        <p:spPr>
+          <a:xfrm>
+            <a:off x="3800475" y="2690150"/>
+            <a:ext cx="1219511" cy="663264"/>
+          </a:xfrm>
+          <a:prstGeom prst="bentConnector2">
+            <a:avLst/>
+          </a:prstGeom>
+          <a:ln w="38100">
+            <a:tailEnd type="triangle"/>
+          </a:ln>
+        </p:spPr>
+        <p:style>
+          <a:lnRef idx="1">
+            <a:schemeClr val="accent1"/>
+          </a:lnRef>
+          <a:fillRef idx="0">
+            <a:schemeClr val="accent1"/>
+          </a:fillRef>
+          <a:effectRef idx="0">
+            <a:schemeClr val="accent1"/>
+          </a:effectRef>
+          <a:fontRef idx="minor">
+            <a:schemeClr val="tx1"/>
+          </a:fontRef>
+        </p:style>
+      </p:cxnSp>
+      <p:cxnSp>
+        <p:nvCxnSpPr>
+          <p:cNvPr id="14" name="Connector: Elbow 13">
+            <a:extLst>
+              <a:ext uri="{FF2B5EF4-FFF2-40B4-BE49-F238E27FC236}">
+                <a16:creationId xmlns:a16="http://schemas.microsoft.com/office/drawing/2014/main" id="{2E477E5D-09E2-4A11-B54C-179D913B3418}"/>
+              </a:ext>
+            </a:extLst>
+          </p:cNvPr>
+          <p:cNvCxnSpPr>
+            <a:cxnSpLocks/>
+            <a:stCxn id="11" idx="2"/>
+            <a:endCxn id="10" idx="0"/>
+          </p:cNvCxnSpPr>
+          <p:nvPr/>
+        </p:nvCxnSpPr>
+        <p:spPr>
+          <a:xfrm rot="5400000">
+            <a:off x="3402335" y="2828486"/>
+            <a:ext cx="446392" cy="2788910"/>
+          </a:xfrm>
+          <a:prstGeom prst="bentConnector3">
+            <a:avLst>
+              <a:gd name="adj1" fmla="val 50000"/>
+            </a:avLst>
+          </a:prstGeom>
+          <a:ln w="38100">
+            <a:tailEnd type="triangle"/>
+          </a:ln>
+        </p:spPr>
+        <p:style>
+          <a:lnRef idx="1">
+            <a:schemeClr val="accent1"/>
+          </a:lnRef>
+          <a:fillRef idx="0">
+            <a:schemeClr val="accent1"/>
+          </a:fillRef>
+          <a:effectRef idx="0">
+            <a:schemeClr val="accent1"/>
+          </a:effectRef>
+          <a:fontRef idx="minor">
+            <a:schemeClr val="tx1"/>
+          </a:fontRef>
+        </p:style>
+      </p:cxnSp>
+      <p:cxnSp>
+        <p:nvCxnSpPr>
+          <p:cNvPr id="15" name="Connector: Elbow 14">
+            <a:extLst>
+              <a:ext uri="{FF2B5EF4-FFF2-40B4-BE49-F238E27FC236}">
+                <a16:creationId xmlns:a16="http://schemas.microsoft.com/office/drawing/2014/main" id="{6175B7A3-D12D-4A86-A85E-90464636823D}"/>
+              </a:ext>
+            </a:extLst>
+          </p:cNvPr>
+          <p:cNvCxnSpPr>
+            <a:cxnSpLocks/>
+            <a:stCxn id="10" idx="3"/>
+            <a:endCxn id="12" idx="1"/>
+          </p:cNvCxnSpPr>
+          <p:nvPr/>
+        </p:nvCxnSpPr>
+        <p:spPr>
+          <a:xfrm>
+            <a:off x="4126551" y="5573263"/>
+            <a:ext cx="1192619" cy="412374"/>
+          </a:xfrm>
+          <a:prstGeom prst="bentConnector3">
+            <a:avLst>
+              <a:gd name="adj1" fmla="val 50000"/>
+            </a:avLst>
+          </a:prstGeom>
+          <a:ln w="38100">
+            <a:tailEnd type="triangle"/>
+          </a:ln>
+        </p:spPr>
+        <p:style>
+          <a:lnRef idx="1">
+            <a:schemeClr val="accent1"/>
+          </a:lnRef>
+          <a:fillRef idx="0">
+            <a:schemeClr val="accent1"/>
+          </a:fillRef>
+          <a:effectRef idx="0">
+            <a:schemeClr val="accent1"/>
+          </a:effectRef>
+          <a:fontRef idx="minor">
+            <a:schemeClr val="tx1"/>
+          </a:fontRef>
+        </p:style>
+      </p:cxnSp>
+      <p:cxnSp>
+        <p:nvCxnSpPr>
+          <p:cNvPr id="16" name="Connector: Elbow 15">
+            <a:extLst>
+              <a:ext uri="{FF2B5EF4-FFF2-40B4-BE49-F238E27FC236}">
+                <a16:creationId xmlns:a16="http://schemas.microsoft.com/office/drawing/2014/main" id="{64202BDA-3F2E-4064-901A-C29CCEEF8C79}"/>
+              </a:ext>
+            </a:extLst>
+          </p:cNvPr>
+          <p:cNvCxnSpPr>
+            <a:cxnSpLocks/>
+            <a:stCxn id="12" idx="3"/>
+            <a:endCxn id="6" idx="2"/>
+          </p:cNvCxnSpPr>
+          <p:nvPr/>
+        </p:nvCxnSpPr>
+        <p:spPr>
+          <a:xfrm flipV="1">
+            <a:off x="7714441" y="5310187"/>
+            <a:ext cx="1107392" cy="675450"/>
+          </a:xfrm>
+          <a:prstGeom prst="bentConnector2">
+            <a:avLst/>
+          </a:prstGeom>
+          <a:ln w="38100">
+            <a:tailEnd type="triangle"/>
+          </a:ln>
+        </p:spPr>
+        <p:style>
+          <a:lnRef idx="1">
+            <a:schemeClr val="accent1"/>
+          </a:lnRef>
+          <a:fillRef idx="0">
+            <a:schemeClr val="accent1"/>
+          </a:fillRef>
+          <a:effectRef idx="0">
+            <a:schemeClr val="accent1"/>
+          </a:effectRef>
+          <a:fontRef idx="minor">
+            <a:schemeClr val="tx1"/>
+          </a:fontRef>
+        </p:style>
+      </p:cxnSp>
+    </p:spTree>
+    <p:extLst>
+      <p:ext uri="{BB962C8B-B14F-4D97-AF65-F5344CB8AC3E}">
+        <p14:creationId xmlns:p14="http://schemas.microsoft.com/office/powerpoint/2010/main" val="1100158537"/>
+      </p:ext>
+    </p:extLst>
+  </p:cSld>
+  <p:clrMapOvr>
+    <a:masterClrMapping/>
+  </p:clrMapOvr>
+</p:sld>
+</file>
+
+<file path=ppt/slides/slide19.xml><?xml version="1.0" encoding="utf-8"?>
+<p:sld xmlns:a="http://schemas.openxmlformats.org/drawingml/2006/main" xmlns:r="http://schemas.openxmlformats.org/officeDocument/2006/relationships" xmlns:p="http://schemas.openxmlformats.org/presentationml/2006/main">
+  <p:cSld>
+    <p:spTree>
+      <p:nvGrpSpPr>
+        <p:cNvPr id="1" name=""/>
+        <p:cNvGrpSpPr/>
+        <p:nvPr/>
+      </p:nvGrpSpPr>
+      <p:grpSpPr>
+        <a:xfrm>
+          <a:off x="0" y="0"/>
+          <a:ext cx="0" cy="0"/>
+          <a:chOff x="0" y="0"/>
+          <a:chExt cx="0" cy="0"/>
+        </a:xfrm>
+      </p:grpSpPr>
+      <p:sp>
+        <p:nvSpPr>
+          <p:cNvPr id="2" name="Title 1">
+            <a:extLst>
+              <a:ext uri="{FF2B5EF4-FFF2-40B4-BE49-F238E27FC236}">
+                <a16:creationId xmlns:a16="http://schemas.microsoft.com/office/drawing/2014/main" id="{898C7BAB-2C8C-4F11-942C-E6C2C07C51BD}"/>
+              </a:ext>
+            </a:extLst>
+          </p:cNvPr>
+          <p:cNvSpPr>
+            <a:spLocks noGrp="1"/>
+          </p:cNvSpPr>
+          <p:nvPr>
+            <p:ph type="title"/>
+          </p:nvPr>
+        </p:nvSpPr>
+        <p:spPr/>
+        <p:txBody>
+          <a:bodyPr/>
+          <a:lstStyle/>
+          <a:p>
+            <a:r>
+              <a:rPr lang="es-419" dirty="0" err="1"/>
+              <a:t>Datasets</a:t>
+            </a:r>
+            <a:r>
+              <a:rPr lang="es-419" dirty="0"/>
+              <a:t> de </a:t>
+            </a:r>
+            <a:r>
+              <a:rPr lang="es-419" dirty="0" err="1"/>
+              <a:t>Ing.Petrolera</a:t>
+            </a:r>
+            <a:endParaRPr lang="es-419" dirty="0"/>
+          </a:p>
+        </p:txBody>
+      </p:sp>
+      <p:sp>
+        <p:nvSpPr>
+          <p:cNvPr id="3" name="Content Placeholder 2">
+            <a:extLst>
+              <a:ext uri="{FF2B5EF4-FFF2-40B4-BE49-F238E27FC236}">
+                <a16:creationId xmlns:a16="http://schemas.microsoft.com/office/drawing/2014/main" id="{44B8E82F-231B-47A6-B2FA-ED6F4026B2DC}"/>
+              </a:ext>
+            </a:extLst>
+          </p:cNvPr>
+          <p:cNvSpPr>
+            <a:spLocks noGrp="1"/>
+          </p:cNvSpPr>
+          <p:nvPr>
+            <p:ph idx="1"/>
+          </p:nvPr>
+        </p:nvSpPr>
+        <p:spPr/>
+        <p:txBody>
+          <a:bodyPr/>
+          <a:lstStyle/>
+          <a:p>
+            <a:r>
+              <a:rPr lang="es-419" dirty="0"/>
+              <a:t>Live </a:t>
+            </a:r>
+            <a:r>
+              <a:rPr lang="es-419" dirty="0" err="1"/>
+              <a:t>Coding</a:t>
+            </a:r>
+            <a:endParaRPr lang="es-419" dirty="0"/>
+          </a:p>
+          <a:p>
+            <a:pPr lvl="1"/>
+            <a:r>
+              <a:rPr lang="es-419" dirty="0"/>
+              <a:t>Visualizar </a:t>
+            </a:r>
+          </a:p>
+          <a:p>
+            <a:pPr lvl="2"/>
+            <a:r>
+              <a:rPr lang="es-419" dirty="0"/>
+              <a:t>Excel</a:t>
+            </a:r>
+          </a:p>
+          <a:p>
+            <a:pPr lvl="2"/>
+            <a:r>
+              <a:rPr lang="es-419" dirty="0"/>
+              <a:t>DLIS </a:t>
+            </a:r>
+          </a:p>
+          <a:p>
+            <a:pPr lvl="2"/>
+            <a:r>
+              <a:rPr lang="es-419" dirty="0"/>
+              <a:t>LAS </a:t>
+            </a:r>
+          </a:p>
+          <a:p>
+            <a:pPr lvl="2"/>
+            <a:r>
+              <a:rPr lang="es-419" dirty="0"/>
+              <a:t>WITSML</a:t>
+            </a:r>
+          </a:p>
+          <a:p>
+            <a:pPr lvl="2"/>
+            <a:r>
+              <a:rPr lang="es-419" dirty="0"/>
+              <a:t>CSV</a:t>
+            </a:r>
+          </a:p>
+        </p:txBody>
+      </p:sp>
+    </p:spTree>
+    <p:extLst>
+      <p:ext uri="{BB962C8B-B14F-4D97-AF65-F5344CB8AC3E}">
+        <p14:creationId xmlns:p14="http://schemas.microsoft.com/office/powerpoint/2010/main" val="2965449280"/>
       </p:ext>
     </p:extLst>
   </p:cSld>
@@ -5169,6 +7516,481 @@
 </p:sld>
 </file>
 
+<file path=ppt/slides/slide20.xml><?xml version="1.0" encoding="utf-8"?>
+<p:sld xmlns:a="http://schemas.openxmlformats.org/drawingml/2006/main" xmlns:r="http://schemas.openxmlformats.org/officeDocument/2006/relationships" xmlns:p="http://schemas.openxmlformats.org/presentationml/2006/main">
+  <p:cSld>
+    <p:spTree>
+      <p:nvGrpSpPr>
+        <p:cNvPr id="1" name=""/>
+        <p:cNvGrpSpPr/>
+        <p:nvPr/>
+      </p:nvGrpSpPr>
+      <p:grpSpPr>
+        <a:xfrm>
+          <a:off x="0" y="0"/>
+          <a:ext cx="0" cy="0"/>
+          <a:chOff x="0" y="0"/>
+          <a:chExt cx="0" cy="0"/>
+        </a:xfrm>
+      </p:grpSpPr>
+      <p:sp>
+        <p:nvSpPr>
+          <p:cNvPr id="2" name="Title 1">
+            <a:extLst>
+              <a:ext uri="{FF2B5EF4-FFF2-40B4-BE49-F238E27FC236}">
+                <a16:creationId xmlns:a16="http://schemas.microsoft.com/office/drawing/2014/main" id="{1AB06638-96AF-45F1-87AF-441FF7D70B3C}"/>
+              </a:ext>
+            </a:extLst>
+          </p:cNvPr>
+          <p:cNvSpPr>
+            <a:spLocks noGrp="1"/>
+          </p:cNvSpPr>
+          <p:nvPr>
+            <p:ph type="title"/>
+          </p:nvPr>
+        </p:nvSpPr>
+        <p:spPr/>
+        <p:txBody>
+          <a:bodyPr/>
+          <a:lstStyle/>
+          <a:p>
+            <a:r>
+              <a:rPr lang="es-419" dirty="0"/>
+              <a:t>Ciencia de Datos</a:t>
+            </a:r>
+          </a:p>
+        </p:txBody>
+      </p:sp>
+      <p:pic>
+        <p:nvPicPr>
+          <p:cNvPr id="5" name="Picture 4">
+            <a:extLst>
+              <a:ext uri="{FF2B5EF4-FFF2-40B4-BE49-F238E27FC236}">
+                <a16:creationId xmlns:a16="http://schemas.microsoft.com/office/drawing/2014/main" id="{1A0866D7-8B2D-44E3-A8CB-3E19894592B5}"/>
+              </a:ext>
+            </a:extLst>
+          </p:cNvPr>
+          <p:cNvPicPr>
+            <a:picLocks noChangeAspect="1"/>
+          </p:cNvPicPr>
+          <p:nvPr/>
+        </p:nvPicPr>
+        <p:blipFill>
+          <a:blip r:embed="rId2"/>
+          <a:stretch>
+            <a:fillRect/>
+          </a:stretch>
+        </p:blipFill>
+        <p:spPr>
+          <a:xfrm>
+            <a:off x="245776" y="1762599"/>
+            <a:ext cx="5588967" cy="4492398"/>
+          </a:xfrm>
+          <a:prstGeom prst="rect">
+            <a:avLst/>
+          </a:prstGeom>
+        </p:spPr>
+      </p:pic>
+      <p:sp>
+        <p:nvSpPr>
+          <p:cNvPr id="8" name="Content Placeholder 7">
+            <a:extLst>
+              <a:ext uri="{FF2B5EF4-FFF2-40B4-BE49-F238E27FC236}">
+                <a16:creationId xmlns:a16="http://schemas.microsoft.com/office/drawing/2014/main" id="{96AFAF3C-791E-45BF-990E-3078FD5BB11B}"/>
+              </a:ext>
+            </a:extLst>
+          </p:cNvPr>
+          <p:cNvSpPr>
+            <a:spLocks noGrp="1"/>
+          </p:cNvSpPr>
+          <p:nvPr>
+            <p:ph idx="1"/>
+          </p:nvPr>
+        </p:nvSpPr>
+        <p:spPr>
+          <a:xfrm>
+            <a:off x="5486401" y="2455996"/>
+            <a:ext cx="6574970" cy="3105604"/>
+          </a:xfrm>
+        </p:spPr>
+        <p:txBody>
+          <a:bodyPr>
+            <a:normAutofit lnSpcReduction="10000"/>
+          </a:bodyPr>
+          <a:lstStyle/>
+          <a:p>
+            <a:pPr marL="0" indent="0">
+              <a:buNone/>
+            </a:pPr>
+            <a:r>
+              <a:rPr lang="es-419" dirty="0"/>
+              <a:t>Objetivos :	</a:t>
+            </a:r>
+          </a:p>
+          <a:p>
+            <a:pPr marL="0" indent="0">
+              <a:buNone/>
+            </a:pPr>
+            <a:r>
+              <a:rPr lang="es-419" dirty="0"/>
+              <a:t>	-Analizar datos “crudos”</a:t>
+            </a:r>
+          </a:p>
+          <a:p>
+            <a:pPr marL="0" indent="0">
+              <a:buNone/>
+            </a:pPr>
+            <a:r>
+              <a:rPr lang="es-419" dirty="0"/>
+              <a:t>	- Limpieza de datos </a:t>
+            </a:r>
+          </a:p>
+          <a:p>
+            <a:pPr marL="0" indent="0">
+              <a:buNone/>
+            </a:pPr>
+            <a:r>
+              <a:rPr lang="es-419" dirty="0"/>
+              <a:t>	- Visualización de comportamiento de 	variables </a:t>
+            </a:r>
+          </a:p>
+          <a:p>
+            <a:pPr marL="0" indent="0">
+              <a:buNone/>
+            </a:pPr>
+            <a:r>
+              <a:rPr lang="es-419" dirty="0"/>
+              <a:t>	- Determinar relaciones entre 	variables</a:t>
+            </a:r>
+          </a:p>
+          <a:p>
+            <a:endParaRPr lang="es-419" dirty="0"/>
+          </a:p>
+        </p:txBody>
+      </p:sp>
+    </p:spTree>
+    <p:extLst>
+      <p:ext uri="{BB962C8B-B14F-4D97-AF65-F5344CB8AC3E}">
+        <p14:creationId xmlns:p14="http://schemas.microsoft.com/office/powerpoint/2010/main" val="2984957411"/>
+      </p:ext>
+    </p:extLst>
+  </p:cSld>
+  <p:clrMapOvr>
+    <a:masterClrMapping/>
+  </p:clrMapOvr>
+</p:sld>
+</file>
+
+<file path=ppt/slides/slide21.xml><?xml version="1.0" encoding="utf-8"?>
+<p:sld xmlns:a="http://schemas.openxmlformats.org/drawingml/2006/main" xmlns:r="http://schemas.openxmlformats.org/officeDocument/2006/relationships" xmlns:p="http://schemas.openxmlformats.org/presentationml/2006/main">
+  <p:cSld>
+    <p:spTree>
+      <p:nvGrpSpPr>
+        <p:cNvPr id="1" name=""/>
+        <p:cNvGrpSpPr/>
+        <p:nvPr/>
+      </p:nvGrpSpPr>
+      <p:grpSpPr>
+        <a:xfrm>
+          <a:off x="0" y="0"/>
+          <a:ext cx="0" cy="0"/>
+          <a:chOff x="0" y="0"/>
+          <a:chExt cx="0" cy="0"/>
+        </a:xfrm>
+      </p:grpSpPr>
+      <p:sp>
+        <p:nvSpPr>
+          <p:cNvPr id="2" name="Title 1">
+            <a:extLst>
+              <a:ext uri="{FF2B5EF4-FFF2-40B4-BE49-F238E27FC236}">
+                <a16:creationId xmlns:a16="http://schemas.microsoft.com/office/drawing/2014/main" id="{AF44AF88-3740-4CF0-B031-614268A93B24}"/>
+              </a:ext>
+            </a:extLst>
+          </p:cNvPr>
+          <p:cNvSpPr>
+            <a:spLocks noGrp="1"/>
+          </p:cNvSpPr>
+          <p:nvPr>
+            <p:ph type="title"/>
+          </p:nvPr>
+        </p:nvSpPr>
+        <p:spPr/>
+        <p:txBody>
+          <a:bodyPr/>
+          <a:lstStyle/>
+          <a:p>
+            <a:r>
+              <a:rPr lang="es-419" dirty="0"/>
+              <a:t>Importancia</a:t>
+            </a:r>
+          </a:p>
+        </p:txBody>
+      </p:sp>
+      <p:pic>
+        <p:nvPicPr>
+          <p:cNvPr id="5" name="Picture 4">
+            <a:extLst>
+              <a:ext uri="{FF2B5EF4-FFF2-40B4-BE49-F238E27FC236}">
+                <a16:creationId xmlns:a16="http://schemas.microsoft.com/office/drawing/2014/main" id="{72FC1C38-B8CF-4A7E-BD99-7F6B14CFA5B0}"/>
+              </a:ext>
+            </a:extLst>
+          </p:cNvPr>
+          <p:cNvPicPr>
+            <a:picLocks noChangeAspect="1"/>
+          </p:cNvPicPr>
+          <p:nvPr/>
+        </p:nvPicPr>
+        <p:blipFill>
+          <a:blip r:embed="rId2"/>
+          <a:stretch>
+            <a:fillRect/>
+          </a:stretch>
+        </p:blipFill>
+        <p:spPr>
+          <a:xfrm>
+            <a:off x="1190625" y="2357437"/>
+            <a:ext cx="9810750" cy="4029075"/>
+          </a:xfrm>
+          <a:prstGeom prst="rect">
+            <a:avLst/>
+          </a:prstGeom>
+        </p:spPr>
+      </p:pic>
+      <p:sp>
+        <p:nvSpPr>
+          <p:cNvPr id="6" name="TextBox 5">
+            <a:extLst>
+              <a:ext uri="{FF2B5EF4-FFF2-40B4-BE49-F238E27FC236}">
+                <a16:creationId xmlns:a16="http://schemas.microsoft.com/office/drawing/2014/main" id="{4EDEC169-C6A1-48F6-855B-BC75B9BF3A09}"/>
+              </a:ext>
+            </a:extLst>
+          </p:cNvPr>
+          <p:cNvSpPr txBox="1"/>
+          <p:nvPr/>
+        </p:nvSpPr>
+        <p:spPr>
+          <a:xfrm>
+            <a:off x="5972175" y="2838450"/>
+            <a:ext cx="4401846" cy="369332"/>
+          </a:xfrm>
+          <a:prstGeom prst="rect">
+            <a:avLst/>
+          </a:prstGeom>
+          <a:noFill/>
+        </p:spPr>
+        <p:txBody>
+          <a:bodyPr wrap="none" rtlCol="0">
+            <a:spAutoFit/>
+          </a:bodyPr>
+          <a:lstStyle/>
+          <a:p>
+            <a:r>
+              <a:rPr lang="es-419" dirty="0"/>
+              <a:t>Machine </a:t>
+            </a:r>
+            <a:r>
+              <a:rPr lang="es-419" dirty="0" err="1"/>
+              <a:t>Learning</a:t>
+            </a:r>
+            <a:r>
+              <a:rPr lang="es-419" dirty="0"/>
+              <a:t> o Aprendizaje Automático</a:t>
+            </a:r>
+          </a:p>
+        </p:txBody>
+      </p:sp>
+    </p:spTree>
+    <p:extLst>
+      <p:ext uri="{BB962C8B-B14F-4D97-AF65-F5344CB8AC3E}">
+        <p14:creationId xmlns:p14="http://schemas.microsoft.com/office/powerpoint/2010/main" val="4164959055"/>
+      </p:ext>
+    </p:extLst>
+  </p:cSld>
+  <p:clrMapOvr>
+    <a:masterClrMapping/>
+  </p:clrMapOvr>
+</p:sld>
+</file>
+
+<file path=ppt/slides/slide22.xml><?xml version="1.0" encoding="utf-8"?>
+<p:sld xmlns:a="http://schemas.openxmlformats.org/drawingml/2006/main" xmlns:r="http://schemas.openxmlformats.org/officeDocument/2006/relationships" xmlns:p="http://schemas.openxmlformats.org/presentationml/2006/main">
+  <p:cSld>
+    <p:spTree>
+      <p:nvGrpSpPr>
+        <p:cNvPr id="1" name=""/>
+        <p:cNvGrpSpPr/>
+        <p:nvPr/>
+      </p:nvGrpSpPr>
+      <p:grpSpPr>
+        <a:xfrm>
+          <a:off x="0" y="0"/>
+          <a:ext cx="0" cy="0"/>
+          <a:chOff x="0" y="0"/>
+          <a:chExt cx="0" cy="0"/>
+        </a:xfrm>
+      </p:grpSpPr>
+      <p:sp>
+        <p:nvSpPr>
+          <p:cNvPr id="2" name="Title 1">
+            <a:extLst>
+              <a:ext uri="{FF2B5EF4-FFF2-40B4-BE49-F238E27FC236}">
+                <a16:creationId xmlns:a16="http://schemas.microsoft.com/office/drawing/2014/main" id="{F9B79F87-BAD7-4D29-B9B4-0DE958AD3D02}"/>
+              </a:ext>
+            </a:extLst>
+          </p:cNvPr>
+          <p:cNvSpPr>
+            <a:spLocks noGrp="1"/>
+          </p:cNvSpPr>
+          <p:nvPr>
+            <p:ph type="title"/>
+          </p:nvPr>
+        </p:nvSpPr>
+        <p:spPr/>
+        <p:txBody>
+          <a:bodyPr/>
+          <a:lstStyle/>
+          <a:p>
+            <a:r>
+              <a:rPr lang="es-419" dirty="0"/>
+              <a:t>Ciencia de Datos	</a:t>
+            </a:r>
+          </a:p>
+        </p:txBody>
+      </p:sp>
+      <p:sp>
+        <p:nvSpPr>
+          <p:cNvPr id="3" name="Content Placeholder 2">
+            <a:extLst>
+              <a:ext uri="{FF2B5EF4-FFF2-40B4-BE49-F238E27FC236}">
+                <a16:creationId xmlns:a16="http://schemas.microsoft.com/office/drawing/2014/main" id="{074C4EF7-A52C-4BDD-B19A-4647FF5965A7}"/>
+              </a:ext>
+            </a:extLst>
+          </p:cNvPr>
+          <p:cNvSpPr>
+            <a:spLocks noGrp="1"/>
+          </p:cNvSpPr>
+          <p:nvPr>
+            <p:ph idx="1"/>
+          </p:nvPr>
+        </p:nvSpPr>
+        <p:spPr/>
+        <p:txBody>
+          <a:bodyPr/>
+          <a:lstStyle/>
+          <a:p>
+            <a:r>
+              <a:rPr lang="es-419" dirty="0"/>
+              <a:t>Live </a:t>
+            </a:r>
+            <a:r>
+              <a:rPr lang="es-419" dirty="0" err="1"/>
+              <a:t>Coding</a:t>
+            </a:r>
+            <a:r>
+              <a:rPr lang="es-419" dirty="0"/>
+              <a:t> </a:t>
+            </a:r>
+          </a:p>
+          <a:p>
+            <a:pPr lvl="1"/>
+            <a:r>
+              <a:rPr lang="es-419" dirty="0"/>
+              <a:t>Producción </a:t>
+            </a:r>
+            <a:r>
+              <a:rPr lang="es-419" dirty="0" err="1"/>
+              <a:t>Volve</a:t>
+            </a:r>
+            <a:r>
+              <a:rPr lang="es-419" dirty="0"/>
+              <a:t> </a:t>
+            </a:r>
+          </a:p>
+          <a:p>
+            <a:pPr marL="457200" lvl="1" indent="0">
+              <a:buNone/>
+            </a:pPr>
+            <a:r>
+              <a:rPr lang="es-419" dirty="0"/>
+              <a:t>	Manejo de </a:t>
+            </a:r>
+            <a:r>
+              <a:rPr lang="es-419" dirty="0" err="1"/>
+              <a:t>DataFrames</a:t>
+            </a:r>
+            <a:endParaRPr lang="es-419" dirty="0"/>
+          </a:p>
+          <a:p>
+            <a:pPr marL="457200" lvl="1" indent="0">
+              <a:buNone/>
+            </a:pPr>
+            <a:r>
+              <a:rPr lang="es-419" dirty="0"/>
+              <a:t>	</a:t>
+            </a:r>
+            <a:r>
+              <a:rPr lang="es-419" dirty="0" err="1"/>
+              <a:t>Plots</a:t>
+            </a:r>
+            <a:r>
+              <a:rPr lang="es-419" dirty="0"/>
+              <a:t> de producción </a:t>
+            </a:r>
+          </a:p>
+          <a:p>
+            <a:pPr marL="457200" lvl="1" indent="0">
+              <a:buNone/>
+            </a:pPr>
+            <a:r>
+              <a:rPr lang="es-419" dirty="0"/>
+              <a:t>	Análisis de variables</a:t>
+            </a:r>
+          </a:p>
+          <a:p>
+            <a:pPr marL="457200" lvl="1" indent="0">
+              <a:buNone/>
+            </a:pPr>
+            <a:endParaRPr lang="es-419" dirty="0"/>
+          </a:p>
+          <a:p>
+            <a:pPr lvl="1"/>
+            <a:r>
+              <a:rPr lang="es-419" dirty="0"/>
+              <a:t>Registro de perforación sin filtrar</a:t>
+            </a:r>
+          </a:p>
+          <a:p>
+            <a:pPr marL="457200" lvl="1" indent="0">
+              <a:buNone/>
+            </a:pPr>
+            <a:r>
+              <a:rPr lang="es-419" dirty="0"/>
+              <a:t>	</a:t>
+            </a:r>
+            <a:r>
+              <a:rPr lang="es-419" dirty="0" err="1"/>
+              <a:t>Plots</a:t>
+            </a:r>
+            <a:r>
+              <a:rPr lang="es-419" dirty="0"/>
+              <a:t> estadísticos principales</a:t>
+            </a:r>
+          </a:p>
+        </p:txBody>
+      </p:sp>
+    </p:spTree>
+    <p:extLst>
+      <p:ext uri="{BB962C8B-B14F-4D97-AF65-F5344CB8AC3E}">
+        <p14:creationId xmlns:p14="http://schemas.microsoft.com/office/powerpoint/2010/main" val="855755503"/>
+      </p:ext>
+    </p:extLst>
+  </p:cSld>
+  <p:clrMapOvr>
+    <a:masterClrMapping/>
+  </p:clrMapOvr>
+</p:sld>
+</file>
+
 <file path=ppt/slides/slide3.xml><?xml version="1.0" encoding="utf-8"?>
 <p:sld xmlns:a="http://schemas.openxmlformats.org/drawingml/2006/main" xmlns:r="http://schemas.openxmlformats.org/officeDocument/2006/relationships" xmlns:p="http://schemas.openxmlformats.org/presentationml/2006/main">
   <p:cSld>
@@ -5216,102 +8038,51 @@
       </p:sp>
       <p:pic>
         <p:nvPicPr>
-          <p:cNvPr id="5" name="Picture 4">
-            <a:extLst>
-              <a:ext uri="{FF2B5EF4-FFF2-40B4-BE49-F238E27FC236}">
-                <a16:creationId xmlns:a16="http://schemas.microsoft.com/office/drawing/2014/main" id="{D1D879F8-1ADB-459E-A147-DF604234FE87}"/>
+          <p:cNvPr id="4098" name="Picture 2" descr="Oil and Gas Overview - Technical Safety">
+            <a:extLst>
+              <a:ext uri="{FF2B5EF4-FFF2-40B4-BE49-F238E27FC236}">
+                <a16:creationId xmlns:a16="http://schemas.microsoft.com/office/drawing/2014/main" id="{E782F753-DE53-479A-A77F-3AE261158F6E}"/>
               </a:ext>
             </a:extLst>
           </p:cNvPr>
           <p:cNvPicPr>
-            <a:picLocks noChangeAspect="1"/>
+            <a:picLocks noChangeAspect="1" noChangeArrowheads="1"/>
           </p:cNvPicPr>
           <p:nvPr/>
         </p:nvPicPr>
         <p:blipFill>
-          <a:blip r:embed="rId2"/>
+          <a:blip r:embed="rId2">
+            <a:extLst>
+              <a:ext uri="{28A0092B-C50C-407E-A947-70E740481C1C}">
+                <a14:useLocalDpi xmlns:a14="http://schemas.microsoft.com/office/drawing/2010/main" val="0"/>
+              </a:ext>
+            </a:extLst>
+          </a:blip>
+          <a:srcRect/>
           <a:stretch>
             <a:fillRect/>
           </a:stretch>
         </p:blipFill>
-        <p:spPr>
+        <p:spPr bwMode="auto">
           <a:xfrm>
-            <a:off x="320449" y="1414463"/>
-            <a:ext cx="9041266" cy="3369564"/>
-          </a:xfrm>
-          <a:prstGeom prst="rect">
-            <a:avLst/>
-          </a:prstGeom>
-        </p:spPr>
-      </p:pic>
-      <p:pic>
-        <p:nvPicPr>
-          <p:cNvPr id="7" name="Picture 6">
-            <a:extLst>
-              <a:ext uri="{FF2B5EF4-FFF2-40B4-BE49-F238E27FC236}">
-                <a16:creationId xmlns:a16="http://schemas.microsoft.com/office/drawing/2014/main" id="{FC3A42D2-CA6E-4378-8D60-4C38E898A58B}"/>
-              </a:ext>
-            </a:extLst>
-          </p:cNvPr>
-          <p:cNvPicPr>
-            <a:picLocks noChangeAspect="1"/>
-          </p:cNvPicPr>
-          <p:nvPr/>
-        </p:nvPicPr>
-        <p:blipFill>
-          <a:blip r:embed="rId3"/>
-          <a:stretch>
-            <a:fillRect/>
-          </a:stretch>
-        </p:blipFill>
-        <p:spPr>
-          <a:xfrm>
-            <a:off x="5519057" y="3827247"/>
-            <a:ext cx="6590249" cy="2946326"/>
-          </a:xfrm>
-          <a:prstGeom prst="rect">
-            <a:avLst/>
-          </a:prstGeom>
-        </p:spPr>
-      </p:pic>
-      <p:sp>
-        <p:nvSpPr>
-          <p:cNvPr id="9" name="TextBox 8">
-            <a:extLst>
-              <a:ext uri="{FF2B5EF4-FFF2-40B4-BE49-F238E27FC236}">
-                <a16:creationId xmlns:a16="http://schemas.microsoft.com/office/drawing/2014/main" id="{1FD0E019-1A6D-4984-912D-A2CEA3C1C521}"/>
-              </a:ext>
-            </a:extLst>
-          </p:cNvPr>
-          <p:cNvSpPr txBox="1"/>
-          <p:nvPr/>
-        </p:nvSpPr>
-        <p:spPr>
-          <a:xfrm>
-            <a:off x="82694" y="6496574"/>
-            <a:ext cx="4738254" cy="276999"/>
+            <a:off x="1885950" y="1690688"/>
+            <a:ext cx="8420100" cy="4791075"/>
           </a:xfrm>
           <a:prstGeom prst="rect">
             <a:avLst/>
           </a:prstGeom>
           <a:noFill/>
-        </p:spPr>
-        <p:txBody>
-          <a:bodyPr wrap="square">
-            <a:spAutoFit/>
-          </a:bodyPr>
-          <a:lstStyle/>
-          <a:p>
-            <a:r>
-              <a:rPr lang="en-GB" sz="1200" dirty="0">
-                <a:hlinkClick r:id="rId4"/>
-              </a:rPr>
-              <a:t>Drilling for data: Digitizing upstream oil and gas | Strategy&amp; (pwc.com)</a:t>
-            </a:r>
-            <a:endParaRPr lang="es-419" sz="1200" dirty="0"/>
-          </a:p>
-        </p:txBody>
-      </p:sp>
+          <a:extLst>
+            <a:ext uri="{909E8E84-426E-40DD-AFC4-6F175D3DCCD1}">
+              <a14:hiddenFill xmlns:a14="http://schemas.microsoft.com/office/drawing/2010/main">
+                <a:solidFill>
+                  <a:srgbClr val="FFFFFF"/>
+                </a:solidFill>
+              </a14:hiddenFill>
+            </a:ext>
+          </a:extLst>
+        </p:spPr>
+      </p:pic>
     </p:spTree>
     <p:extLst>
       <p:ext uri="{BB962C8B-B14F-4D97-AF65-F5344CB8AC3E}">
@@ -5347,7 +8118,7 @@
           <p:cNvPr id="2" name="Title 1">
             <a:extLst>
               <a:ext uri="{FF2B5EF4-FFF2-40B4-BE49-F238E27FC236}">
-                <a16:creationId xmlns:a16="http://schemas.microsoft.com/office/drawing/2014/main" id="{2C74F99B-D303-40CA-B079-C95F0F4AE633}"/>
+                <a16:creationId xmlns:a16="http://schemas.microsoft.com/office/drawing/2014/main" id="{2E5DDE4C-EBA8-4AF2-AD1B-BBC22B5EE566}"/>
               </a:ext>
             </a:extLst>
           </p:cNvPr>
@@ -5365,91 +8136,17 @@
           <a:p>
             <a:r>
               <a:rPr lang="es-419" dirty="0"/>
-              <a:t>Introducción</a:t>
+              <a:t>Introducción	</a:t>
             </a:r>
           </a:p>
         </p:txBody>
       </p:sp>
       <p:pic>
         <p:nvPicPr>
-          <p:cNvPr id="8" name="Picture 7">
-            <a:extLst>
-              <a:ext uri="{FF2B5EF4-FFF2-40B4-BE49-F238E27FC236}">
-                <a16:creationId xmlns:a16="http://schemas.microsoft.com/office/drawing/2014/main" id="{64726149-F3A2-420E-A90F-8EA5AA83C598}"/>
-              </a:ext>
-            </a:extLst>
-          </p:cNvPr>
-          <p:cNvPicPr>
-            <a:picLocks noChangeAspect="1"/>
-          </p:cNvPicPr>
-          <p:nvPr/>
-        </p:nvPicPr>
-        <p:blipFill rotWithShape="1">
-          <a:blip r:embed="rId2"/>
-          <a:srcRect t="2869"/>
-          <a:stretch/>
-        </p:blipFill>
-        <p:spPr>
-          <a:xfrm>
-            <a:off x="178602" y="1342645"/>
-            <a:ext cx="9258981" cy="4172709"/>
-          </a:xfrm>
-          <a:prstGeom prst="rect">
-            <a:avLst/>
-          </a:prstGeom>
-        </p:spPr>
-      </p:pic>
-      <p:sp>
-        <p:nvSpPr>
-          <p:cNvPr id="10" name="TextBox 9">
-            <a:extLst>
-              <a:ext uri="{FF2B5EF4-FFF2-40B4-BE49-F238E27FC236}">
-                <a16:creationId xmlns:a16="http://schemas.microsoft.com/office/drawing/2014/main" id="{B6052B94-3FB1-46D2-B096-527CD6EFBC9C}"/>
-              </a:ext>
-            </a:extLst>
-          </p:cNvPr>
-          <p:cNvSpPr txBox="1"/>
-          <p:nvPr/>
-        </p:nvSpPr>
-        <p:spPr>
-          <a:xfrm>
-            <a:off x="0" y="6492875"/>
-            <a:ext cx="6096000" cy="276999"/>
-          </a:xfrm>
-          <a:prstGeom prst="rect">
-            <a:avLst/>
-          </a:prstGeom>
-          <a:noFill/>
-        </p:spPr>
-        <p:txBody>
-          <a:bodyPr wrap="square">
-            <a:spAutoFit/>
-          </a:bodyPr>
-          <a:lstStyle>
-            <a:defPPr>
-              <a:defRPr lang="en-US"/>
-            </a:defPPr>
-            <a:lvl1pPr>
-              <a:defRPr sz="1200"/>
-            </a:lvl1pPr>
-          </a:lstStyle>
-          <a:p>
-            <a:r>
-              <a:rPr lang="en-GB" dirty="0">
-                <a:hlinkClick r:id="rId3"/>
-              </a:rPr>
-              <a:t>Data: Is the oil and gas industry’s most valuable resource being overlooked? (ihsmarkit.com)</a:t>
-            </a:r>
-            <a:endParaRPr lang="es-419" dirty="0"/>
-          </a:p>
-        </p:txBody>
-      </p:sp>
-      <p:pic>
-        <p:nvPicPr>
-          <p:cNvPr id="12" name="Picture 11">
-            <a:extLst>
-              <a:ext uri="{FF2B5EF4-FFF2-40B4-BE49-F238E27FC236}">
-                <a16:creationId xmlns:a16="http://schemas.microsoft.com/office/drawing/2014/main" id="{7361CDCA-D62B-4AC1-86A9-41821CA29506}"/>
+          <p:cNvPr id="5" name="Picture 4">
+            <a:extLst>
+              <a:ext uri="{FF2B5EF4-FFF2-40B4-BE49-F238E27FC236}">
+                <a16:creationId xmlns:a16="http://schemas.microsoft.com/office/drawing/2014/main" id="{D1D879F8-1ADB-459E-A147-DF604234FE87}"/>
               </a:ext>
             </a:extLst>
           </p:cNvPr>
@@ -5459,25 +8156,93 @@
           <p:nvPr/>
         </p:nvPicPr>
         <p:blipFill>
-          <a:blip r:embed="rId4"/>
+          <a:blip r:embed="rId2"/>
           <a:stretch>
             <a:fillRect/>
           </a:stretch>
         </p:blipFill>
         <p:spPr>
           <a:xfrm>
-            <a:off x="3272169" y="5281151"/>
-            <a:ext cx="8741229" cy="1085604"/>
+            <a:off x="320449" y="1414463"/>
+            <a:ext cx="9041266" cy="3369564"/>
           </a:xfrm>
           <a:prstGeom prst="rect">
             <a:avLst/>
           </a:prstGeom>
         </p:spPr>
       </p:pic>
+      <p:pic>
+        <p:nvPicPr>
+          <p:cNvPr id="7" name="Picture 6">
+            <a:extLst>
+              <a:ext uri="{FF2B5EF4-FFF2-40B4-BE49-F238E27FC236}">
+                <a16:creationId xmlns:a16="http://schemas.microsoft.com/office/drawing/2014/main" id="{FC3A42D2-CA6E-4378-8D60-4C38E898A58B}"/>
+              </a:ext>
+            </a:extLst>
+          </p:cNvPr>
+          <p:cNvPicPr>
+            <a:picLocks noChangeAspect="1"/>
+          </p:cNvPicPr>
+          <p:nvPr/>
+        </p:nvPicPr>
+        <p:blipFill>
+          <a:blip r:embed="rId3"/>
+          <a:stretch>
+            <a:fillRect/>
+          </a:stretch>
+        </p:blipFill>
+        <p:spPr>
+          <a:xfrm>
+            <a:off x="5519057" y="3827247"/>
+            <a:ext cx="6590249" cy="2946326"/>
+          </a:xfrm>
+          <a:prstGeom prst="rect">
+            <a:avLst/>
+          </a:prstGeom>
+        </p:spPr>
+      </p:pic>
+      <p:sp>
+        <p:nvSpPr>
+          <p:cNvPr id="9" name="TextBox 8">
+            <a:extLst>
+              <a:ext uri="{FF2B5EF4-FFF2-40B4-BE49-F238E27FC236}">
+                <a16:creationId xmlns:a16="http://schemas.microsoft.com/office/drawing/2014/main" id="{1FD0E019-1A6D-4984-912D-A2CEA3C1C521}"/>
+              </a:ext>
+            </a:extLst>
+          </p:cNvPr>
+          <p:cNvSpPr txBox="1"/>
+          <p:nvPr/>
+        </p:nvSpPr>
+        <p:spPr>
+          <a:xfrm>
+            <a:off x="82694" y="6496574"/>
+            <a:ext cx="4738254" cy="276999"/>
+          </a:xfrm>
+          <a:prstGeom prst="rect">
+            <a:avLst/>
+          </a:prstGeom>
+          <a:noFill/>
+        </p:spPr>
+        <p:txBody>
+          <a:bodyPr wrap="square">
+            <a:spAutoFit/>
+          </a:bodyPr>
+          <a:lstStyle/>
+          <a:p>
+            <a:r>
+              <a:rPr lang="en-GB" sz="1200" dirty="0">
+                <a:hlinkClick r:id="rId4"/>
+              </a:rPr>
+              <a:t>Drilling for data: Digitizing upstream oil and gas | Strategy&amp; (pwc.com)</a:t>
+            </a:r>
+            <a:endParaRPr lang="es-419" sz="1200" dirty="0"/>
+          </a:p>
+        </p:txBody>
+      </p:sp>
     </p:spTree>
     <p:extLst>
       <p:ext uri="{BB962C8B-B14F-4D97-AF65-F5344CB8AC3E}">
-        <p14:creationId xmlns:p14="http://schemas.microsoft.com/office/powerpoint/2010/main" val="969807864"/>
+        <p14:creationId xmlns:p14="http://schemas.microsoft.com/office/powerpoint/2010/main" val="1043562282"/>
       </p:ext>
     </p:extLst>
   </p:cSld>
@@ -5509,7 +8274,7 @@
           <p:cNvPr id="2" name="Title 1">
             <a:extLst>
               <a:ext uri="{FF2B5EF4-FFF2-40B4-BE49-F238E27FC236}">
-                <a16:creationId xmlns:a16="http://schemas.microsoft.com/office/drawing/2014/main" id="{3F7D8CF8-8F44-4B54-9D96-DC1A9047EAFE}"/>
+                <a16:creationId xmlns:a16="http://schemas.microsoft.com/office/drawing/2014/main" id="{2C74F99B-D303-40CA-B079-C95F0F4AE633}"/>
               </a:ext>
             </a:extLst>
           </p:cNvPr>
@@ -5527,17 +8292,91 @@
           <a:p>
             <a:r>
               <a:rPr lang="es-419" dirty="0"/>
-              <a:t>Introducción </a:t>
+              <a:t>Introducción</a:t>
             </a:r>
           </a:p>
         </p:txBody>
       </p:sp>
       <p:pic>
         <p:nvPicPr>
-          <p:cNvPr id="5" name="Picture 4">
-            <a:extLst>
-              <a:ext uri="{FF2B5EF4-FFF2-40B4-BE49-F238E27FC236}">
-                <a16:creationId xmlns:a16="http://schemas.microsoft.com/office/drawing/2014/main" id="{323B36E7-5C03-4427-AD5F-7DE1BD443B96}"/>
+          <p:cNvPr id="8" name="Picture 7">
+            <a:extLst>
+              <a:ext uri="{FF2B5EF4-FFF2-40B4-BE49-F238E27FC236}">
+                <a16:creationId xmlns:a16="http://schemas.microsoft.com/office/drawing/2014/main" id="{64726149-F3A2-420E-A90F-8EA5AA83C598}"/>
+              </a:ext>
+            </a:extLst>
+          </p:cNvPr>
+          <p:cNvPicPr>
+            <a:picLocks noChangeAspect="1"/>
+          </p:cNvPicPr>
+          <p:nvPr/>
+        </p:nvPicPr>
+        <p:blipFill rotWithShape="1">
+          <a:blip r:embed="rId2"/>
+          <a:srcRect t="2869"/>
+          <a:stretch/>
+        </p:blipFill>
+        <p:spPr>
+          <a:xfrm>
+            <a:off x="178602" y="1342645"/>
+            <a:ext cx="9258981" cy="4172709"/>
+          </a:xfrm>
+          <a:prstGeom prst="rect">
+            <a:avLst/>
+          </a:prstGeom>
+        </p:spPr>
+      </p:pic>
+      <p:sp>
+        <p:nvSpPr>
+          <p:cNvPr id="10" name="TextBox 9">
+            <a:extLst>
+              <a:ext uri="{FF2B5EF4-FFF2-40B4-BE49-F238E27FC236}">
+                <a16:creationId xmlns:a16="http://schemas.microsoft.com/office/drawing/2014/main" id="{B6052B94-3FB1-46D2-B096-527CD6EFBC9C}"/>
+              </a:ext>
+            </a:extLst>
+          </p:cNvPr>
+          <p:cNvSpPr txBox="1"/>
+          <p:nvPr/>
+        </p:nvSpPr>
+        <p:spPr>
+          <a:xfrm>
+            <a:off x="0" y="6492875"/>
+            <a:ext cx="6096000" cy="276999"/>
+          </a:xfrm>
+          <a:prstGeom prst="rect">
+            <a:avLst/>
+          </a:prstGeom>
+          <a:noFill/>
+        </p:spPr>
+        <p:txBody>
+          <a:bodyPr wrap="square">
+            <a:spAutoFit/>
+          </a:bodyPr>
+          <a:lstStyle>
+            <a:defPPr>
+              <a:defRPr lang="en-US"/>
+            </a:defPPr>
+            <a:lvl1pPr>
+              <a:defRPr sz="1200"/>
+            </a:lvl1pPr>
+          </a:lstStyle>
+          <a:p>
+            <a:r>
+              <a:rPr lang="en-GB" dirty="0">
+                <a:hlinkClick r:id="rId3"/>
+              </a:rPr>
+              <a:t>Data: Is the oil and gas industry’s most valuable resource being overlooked? (ihsmarkit.com)</a:t>
+            </a:r>
+            <a:endParaRPr lang="es-419" dirty="0"/>
+          </a:p>
+        </p:txBody>
+      </p:sp>
+      <p:pic>
+        <p:nvPicPr>
+          <p:cNvPr id="12" name="Picture 11">
+            <a:extLst>
+              <a:ext uri="{FF2B5EF4-FFF2-40B4-BE49-F238E27FC236}">
+                <a16:creationId xmlns:a16="http://schemas.microsoft.com/office/drawing/2014/main" id="{7361CDCA-D62B-4AC1-86A9-41821CA29506}"/>
               </a:ext>
             </a:extLst>
           </p:cNvPr>
@@ -5547,45 +8386,15 @@
           <p:nvPr/>
         </p:nvPicPr>
         <p:blipFill>
-          <a:blip r:embed="rId2"/>
+          <a:blip r:embed="rId4"/>
           <a:stretch>
             <a:fillRect/>
           </a:stretch>
         </p:blipFill>
         <p:spPr>
           <a:xfrm>
-            <a:off x="250371" y="1180122"/>
-            <a:ext cx="9252857" cy="3231723"/>
-          </a:xfrm>
-          <a:prstGeom prst="rect">
-            <a:avLst/>
-          </a:prstGeom>
-        </p:spPr>
-      </p:pic>
-      <p:pic>
-        <p:nvPicPr>
-          <p:cNvPr id="7" name="Picture 6">
-            <a:extLst>
-              <a:ext uri="{FF2B5EF4-FFF2-40B4-BE49-F238E27FC236}">
-                <a16:creationId xmlns:a16="http://schemas.microsoft.com/office/drawing/2014/main" id="{E33531BC-A156-4912-8A59-61ECC11B34A0}"/>
-              </a:ext>
-            </a:extLst>
-          </p:cNvPr>
-          <p:cNvPicPr>
-            <a:picLocks noChangeAspect="1"/>
-          </p:cNvPicPr>
-          <p:nvPr/>
-        </p:nvPicPr>
-        <p:blipFill>
-          <a:blip r:embed="rId3"/>
-          <a:stretch>
-            <a:fillRect/>
-          </a:stretch>
-        </p:blipFill>
-        <p:spPr>
-          <a:xfrm>
-            <a:off x="4659086" y="4753535"/>
-            <a:ext cx="7406368" cy="1848685"/>
+            <a:off x="3272169" y="5281151"/>
+            <a:ext cx="8741229" cy="1085604"/>
           </a:xfrm>
           <a:prstGeom prst="rect">
             <a:avLst/>
@@ -5595,7 +8404,7 @@
     </p:spTree>
     <p:extLst>
       <p:ext uri="{BB962C8B-B14F-4D97-AF65-F5344CB8AC3E}">
-        <p14:creationId xmlns:p14="http://schemas.microsoft.com/office/powerpoint/2010/main" val="3537282369"/>
+        <p14:creationId xmlns:p14="http://schemas.microsoft.com/office/powerpoint/2010/main" val="969807864"/>
       </p:ext>
     </p:extLst>
   </p:cSld>
@@ -5627,7 +8436,7 @@
           <p:cNvPr id="2" name="Title 1">
             <a:extLst>
               <a:ext uri="{FF2B5EF4-FFF2-40B4-BE49-F238E27FC236}">
-                <a16:creationId xmlns:a16="http://schemas.microsoft.com/office/drawing/2014/main" id="{2C74F99B-D303-40CA-B079-C95F0F4AE633}"/>
+                <a16:creationId xmlns:a16="http://schemas.microsoft.com/office/drawing/2014/main" id="{3F7D8CF8-8F44-4B54-9D96-DC1A9047EAFE}"/>
               </a:ext>
             </a:extLst>
           </p:cNvPr>
@@ -5645,17 +8454,17 @@
           <a:p>
             <a:r>
               <a:rPr lang="es-419" dirty="0"/>
-              <a:t>Introducción</a:t>
+              <a:t>Introducción </a:t>
             </a:r>
           </a:p>
         </p:txBody>
       </p:sp>
       <p:pic>
         <p:nvPicPr>
-          <p:cNvPr id="9" name="Picture 8">
-            <a:extLst>
-              <a:ext uri="{FF2B5EF4-FFF2-40B4-BE49-F238E27FC236}">
-                <a16:creationId xmlns:a16="http://schemas.microsoft.com/office/drawing/2014/main" id="{3C0012C3-6A45-4644-89C0-8FC9D2A96A5D}"/>
+          <p:cNvPr id="5" name="Picture 4">
+            <a:extLst>
+              <a:ext uri="{FF2B5EF4-FFF2-40B4-BE49-F238E27FC236}">
+                <a16:creationId xmlns:a16="http://schemas.microsoft.com/office/drawing/2014/main" id="{323B36E7-5C03-4427-AD5F-7DE1BD443B96}"/>
               </a:ext>
             </a:extLst>
           </p:cNvPr>
@@ -5672,8 +8481,8 @@
         </p:blipFill>
         <p:spPr>
           <a:xfrm>
-            <a:off x="191366" y="1272741"/>
-            <a:ext cx="8096250" cy="3629025"/>
+            <a:off x="250371" y="1180122"/>
+            <a:ext cx="9252857" cy="3231723"/>
           </a:xfrm>
           <a:prstGeom prst="rect">
             <a:avLst/>
@@ -5682,10 +8491,10 @@
       </p:pic>
       <p:pic>
         <p:nvPicPr>
-          <p:cNvPr id="11" name="Picture 10">
-            <a:extLst>
-              <a:ext uri="{FF2B5EF4-FFF2-40B4-BE49-F238E27FC236}">
-                <a16:creationId xmlns:a16="http://schemas.microsoft.com/office/drawing/2014/main" id="{1C328CFA-9524-4D03-913D-C32D986D5FBE}"/>
+          <p:cNvPr id="7" name="Picture 6">
+            <a:extLst>
+              <a:ext uri="{FF2B5EF4-FFF2-40B4-BE49-F238E27FC236}">
+                <a16:creationId xmlns:a16="http://schemas.microsoft.com/office/drawing/2014/main" id="{E33531BC-A156-4912-8A59-61ECC11B34A0}"/>
               </a:ext>
             </a:extLst>
           </p:cNvPr>
@@ -5702,8 +8511,8 @@
         </p:blipFill>
         <p:spPr>
           <a:xfrm>
-            <a:off x="4444278" y="5263242"/>
-            <a:ext cx="7686675" cy="1447800"/>
+            <a:off x="4659086" y="4753535"/>
+            <a:ext cx="7406368" cy="1848685"/>
           </a:xfrm>
           <a:prstGeom prst="rect">
             <a:avLst/>
@@ -5713,7 +8522,7 @@
     </p:spTree>
     <p:extLst>
       <p:ext uri="{BB962C8B-B14F-4D97-AF65-F5344CB8AC3E}">
-        <p14:creationId xmlns:p14="http://schemas.microsoft.com/office/powerpoint/2010/main" val="2052442702"/>
+        <p14:creationId xmlns:p14="http://schemas.microsoft.com/office/powerpoint/2010/main" val="3537282369"/>
       </p:ext>
     </p:extLst>
   </p:cSld>
@@ -5745,7 +8554,7 @@
           <p:cNvPr id="2" name="Title 1">
             <a:extLst>
               <a:ext uri="{FF2B5EF4-FFF2-40B4-BE49-F238E27FC236}">
-                <a16:creationId xmlns:a16="http://schemas.microsoft.com/office/drawing/2014/main" id="{B04946EE-71B8-4986-AAE8-1B289E0478CD}"/>
+                <a16:creationId xmlns:a16="http://schemas.microsoft.com/office/drawing/2014/main" id="{2C74F99B-D303-40CA-B079-C95F0F4AE633}"/>
               </a:ext>
             </a:extLst>
           </p:cNvPr>
@@ -5756,29 +8565,24 @@
             <p:ph type="title"/>
           </p:nvPr>
         </p:nvSpPr>
-        <p:spPr>
-          <a:xfrm>
-            <a:off x="838200" y="0"/>
-            <a:ext cx="10515600" cy="1325563"/>
-          </a:xfrm>
-        </p:spPr>
+        <p:spPr/>
         <p:txBody>
           <a:bodyPr/>
           <a:lstStyle/>
           <a:p>
             <a:r>
               <a:rPr lang="es-419" dirty="0"/>
-              <a:t>Datos disponibles</a:t>
+              <a:t>Introducción</a:t>
             </a:r>
           </a:p>
         </p:txBody>
       </p:sp>
       <p:pic>
         <p:nvPicPr>
-          <p:cNvPr id="7" name="Picture 6">
-            <a:extLst>
-              <a:ext uri="{FF2B5EF4-FFF2-40B4-BE49-F238E27FC236}">
-                <a16:creationId xmlns:a16="http://schemas.microsoft.com/office/drawing/2014/main" id="{32543382-379E-4D70-9CAA-2CD1A03F53CB}"/>
+          <p:cNvPr id="9" name="Picture 8">
+            <a:extLst>
+              <a:ext uri="{FF2B5EF4-FFF2-40B4-BE49-F238E27FC236}">
+                <a16:creationId xmlns:a16="http://schemas.microsoft.com/office/drawing/2014/main" id="{3C0012C3-6A45-4644-89C0-8FC9D2A96A5D}"/>
               </a:ext>
             </a:extLst>
           </p:cNvPr>
@@ -5795,8 +8599,8 @@
         </p:blipFill>
         <p:spPr>
           <a:xfrm>
-            <a:off x="838200" y="878553"/>
-            <a:ext cx="5945309" cy="5679637"/>
+            <a:off x="191366" y="1272741"/>
+            <a:ext cx="8096250" cy="3629025"/>
           </a:xfrm>
           <a:prstGeom prst="rect">
             <a:avLst/>
@@ -5805,10 +8609,10 @@
       </p:pic>
       <p:pic>
         <p:nvPicPr>
-          <p:cNvPr id="9" name="Picture 8">
-            <a:extLst>
-              <a:ext uri="{FF2B5EF4-FFF2-40B4-BE49-F238E27FC236}">
-                <a16:creationId xmlns:a16="http://schemas.microsoft.com/office/drawing/2014/main" id="{684DB9D1-2C50-4034-B5FC-9FB671FF5630}"/>
+          <p:cNvPr id="11" name="Picture 10">
+            <a:extLst>
+              <a:ext uri="{FF2B5EF4-FFF2-40B4-BE49-F238E27FC236}">
+                <a16:creationId xmlns:a16="http://schemas.microsoft.com/office/drawing/2014/main" id="{1C328CFA-9524-4D03-913D-C32D986D5FBE}"/>
               </a:ext>
             </a:extLst>
           </p:cNvPr>
@@ -5817,63 +8621,26 @@
           </p:cNvPicPr>
           <p:nvPr/>
         </p:nvPicPr>
-        <p:blipFill rotWithShape="1">
+        <p:blipFill>
           <a:blip r:embed="rId3"/>
-          <a:srcRect l="2657"/>
-          <a:stretch/>
+          <a:stretch>
+            <a:fillRect/>
+          </a:stretch>
         </p:blipFill>
         <p:spPr>
           <a:xfrm>
-            <a:off x="6645880" y="1489074"/>
-            <a:ext cx="4784125" cy="5067220"/>
+            <a:off x="4444278" y="5263242"/>
+            <a:ext cx="7686675" cy="1447800"/>
           </a:xfrm>
           <a:prstGeom prst="rect">
             <a:avLst/>
           </a:prstGeom>
         </p:spPr>
       </p:pic>
-      <p:sp>
-        <p:nvSpPr>
-          <p:cNvPr id="11" name="TextBox 10">
-            <a:extLst>
-              <a:ext uri="{FF2B5EF4-FFF2-40B4-BE49-F238E27FC236}">
-                <a16:creationId xmlns:a16="http://schemas.microsoft.com/office/drawing/2014/main" id="{2D5F0308-39A2-4E45-8B04-FC282171CE23}"/>
-              </a:ext>
-            </a:extLst>
-          </p:cNvPr>
-          <p:cNvSpPr txBox="1"/>
-          <p:nvPr/>
-        </p:nvSpPr>
-        <p:spPr>
-          <a:xfrm>
-            <a:off x="0" y="6371628"/>
-            <a:ext cx="6096000" cy="369332"/>
-          </a:xfrm>
-          <a:prstGeom prst="rect">
-            <a:avLst/>
-          </a:prstGeom>
-          <a:noFill/>
-        </p:spPr>
-        <p:txBody>
-          <a:bodyPr wrap="square">
-            <a:spAutoFit/>
-          </a:bodyPr>
-          <a:lstStyle/>
-          <a:p>
-            <a:r>
-              <a:rPr lang="en-GB" dirty="0">
-                <a:hlinkClick r:id="rId4"/>
-              </a:rPr>
-              <a:t>Equinor Open Data</a:t>
-            </a:r>
-            <a:endParaRPr lang="es-419" dirty="0"/>
-          </a:p>
-        </p:txBody>
-      </p:sp>
     </p:spTree>
     <p:extLst>
       <p:ext uri="{BB962C8B-B14F-4D97-AF65-F5344CB8AC3E}">
-        <p14:creationId xmlns:p14="http://schemas.microsoft.com/office/powerpoint/2010/main" val="976664616"/>
+        <p14:creationId xmlns:p14="http://schemas.microsoft.com/office/powerpoint/2010/main" val="2052442702"/>
       </p:ext>
     </p:extLst>
   </p:cSld>
@@ -5905,7 +8672,7 @@
           <p:cNvPr id="2" name="Title 1">
             <a:extLst>
               <a:ext uri="{FF2B5EF4-FFF2-40B4-BE49-F238E27FC236}">
-                <a16:creationId xmlns:a16="http://schemas.microsoft.com/office/drawing/2014/main" id="{948442AA-3AB9-497B-8C8C-8A9F2875ECF7}"/>
+                <a16:creationId xmlns:a16="http://schemas.microsoft.com/office/drawing/2014/main" id="{17E0F46D-BC16-43A2-8656-AE96DD7BB7CF}"/>
               </a:ext>
             </a:extLst>
           </p:cNvPr>
@@ -5923,82 +8690,90 @@
           <a:p>
             <a:r>
               <a:rPr lang="es-419" dirty="0"/>
-              <a:t>Datos disponibles</a:t>
+              <a:t>Entorno de desarrollo</a:t>
+            </a:r>
+          </a:p>
+        </p:txBody>
+      </p:sp>
+      <p:sp>
+        <p:nvSpPr>
+          <p:cNvPr id="4" name="Content Placeholder 3">
+            <a:extLst>
+              <a:ext uri="{FF2B5EF4-FFF2-40B4-BE49-F238E27FC236}">
+                <a16:creationId xmlns:a16="http://schemas.microsoft.com/office/drawing/2014/main" id="{31DC9AEC-7BF4-4260-8740-72ABB02B423A}"/>
+              </a:ext>
+            </a:extLst>
+          </p:cNvPr>
+          <p:cNvSpPr>
+            <a:spLocks noGrp="1"/>
+          </p:cNvSpPr>
+          <p:nvPr>
+            <p:ph idx="1"/>
+          </p:nvPr>
+        </p:nvSpPr>
+        <p:spPr/>
+        <p:txBody>
+          <a:bodyPr/>
+          <a:lstStyle/>
+          <a:p>
+            <a:r>
+              <a:rPr lang="es-419" dirty="0"/>
+              <a:t>Python</a:t>
             </a:r>
           </a:p>
         </p:txBody>
       </p:sp>
       <p:pic>
         <p:nvPicPr>
-          <p:cNvPr id="7" name="Content Placeholder 6">
-            <a:extLst>
-              <a:ext uri="{FF2B5EF4-FFF2-40B4-BE49-F238E27FC236}">
-                <a16:creationId xmlns:a16="http://schemas.microsoft.com/office/drawing/2014/main" id="{CDBCD99C-0BF6-4B11-82A5-DD16E36640C9}"/>
+          <p:cNvPr id="1026" name="Picture 2">
+            <a:extLst>
+              <a:ext uri="{FF2B5EF4-FFF2-40B4-BE49-F238E27FC236}">
+                <a16:creationId xmlns:a16="http://schemas.microsoft.com/office/drawing/2014/main" id="{47AD0AB0-804A-4209-962D-3ED7504730AD}"/>
               </a:ext>
             </a:extLst>
           </p:cNvPr>
           <p:cNvPicPr>
-            <a:picLocks noGrp="1" noChangeAspect="1"/>
+            <a:picLocks noChangeAspect="1" noChangeArrowheads="1"/>
           </p:cNvPicPr>
-          <p:nvPr>
-            <p:ph idx="1"/>
-          </p:nvPr>
+          <p:nvPr/>
         </p:nvPicPr>
         <p:blipFill>
-          <a:blip r:embed="rId2"/>
+          <a:blip r:embed="rId2">
+            <a:extLst>
+              <a:ext uri="{28A0092B-C50C-407E-A947-70E740481C1C}">
+                <a14:useLocalDpi xmlns:a14="http://schemas.microsoft.com/office/drawing/2010/main" val="0"/>
+              </a:ext>
+            </a:extLst>
+          </a:blip>
+          <a:srcRect/>
           <a:stretch>
             <a:fillRect/>
           </a:stretch>
         </p:blipFill>
-        <p:spPr>
+        <p:spPr bwMode="auto">
           <a:xfrm>
-            <a:off x="1626169" y="1442316"/>
-            <a:ext cx="8939662" cy="4351338"/>
-          </a:xfrm>
-        </p:spPr>
-      </p:pic>
-      <p:sp>
-        <p:nvSpPr>
-          <p:cNvPr id="9" name="TextBox 8">
-            <a:extLst>
-              <a:ext uri="{FF2B5EF4-FFF2-40B4-BE49-F238E27FC236}">
-                <a16:creationId xmlns:a16="http://schemas.microsoft.com/office/drawing/2014/main" id="{B106D7A5-39BD-46AE-8833-F15F94F50C08}"/>
-              </a:ext>
-            </a:extLst>
-          </p:cNvPr>
-          <p:cNvSpPr txBox="1"/>
-          <p:nvPr/>
-        </p:nvSpPr>
-        <p:spPr>
-          <a:xfrm>
-            <a:off x="184728" y="6308209"/>
-            <a:ext cx="6096000" cy="369332"/>
+            <a:off x="5058004" y="1412866"/>
+            <a:ext cx="6121626" cy="5249191"/>
           </a:xfrm>
           <a:prstGeom prst="rect">
             <a:avLst/>
           </a:prstGeom>
           <a:noFill/>
-        </p:spPr>
-        <p:txBody>
-          <a:bodyPr wrap="square">
-            <a:spAutoFit/>
-          </a:bodyPr>
-          <a:lstStyle/>
-          <a:p>
-            <a:r>
-              <a:rPr lang="en-GB" dirty="0">
-                <a:hlinkClick r:id="rId3"/>
-              </a:rPr>
-              <a:t>SPE Data Repository</a:t>
-            </a:r>
-            <a:endParaRPr lang="es-419" dirty="0"/>
-          </a:p>
-        </p:txBody>
-      </p:sp>
+          <a:extLst>
+            <a:ext uri="{909E8E84-426E-40DD-AFC4-6F175D3DCCD1}">
+              <a14:hiddenFill xmlns:a14="http://schemas.microsoft.com/office/drawing/2010/main">
+                <a:solidFill>
+                  <a:srgbClr val="FFFFFF"/>
+                </a:solidFill>
+              </a14:hiddenFill>
+            </a:ext>
+          </a:extLst>
+        </p:spPr>
+      </p:pic>
     </p:spTree>
     <p:extLst>
       <p:ext uri="{BB962C8B-B14F-4D97-AF65-F5344CB8AC3E}">
-        <p14:creationId xmlns:p14="http://schemas.microsoft.com/office/powerpoint/2010/main" val="17158425"/>
+        <p14:creationId xmlns:p14="http://schemas.microsoft.com/office/powerpoint/2010/main" val="154590001"/>
       </p:ext>
     </p:extLst>
   </p:cSld>
@@ -6030,7 +8805,7 @@
           <p:cNvPr id="2" name="Title 1">
             <a:extLst>
               <a:ext uri="{FF2B5EF4-FFF2-40B4-BE49-F238E27FC236}">
-                <a16:creationId xmlns:a16="http://schemas.microsoft.com/office/drawing/2014/main" id="{948442AA-3AB9-497B-8C8C-8A9F2875ECF7}"/>
+                <a16:creationId xmlns:a16="http://schemas.microsoft.com/office/drawing/2014/main" id="{03C14A38-0405-4AAF-B3D4-E9F9C80EA449}"/>
               </a:ext>
             </a:extLst>
           </p:cNvPr>
@@ -6048,108 +8823,114 @@
           <a:p>
             <a:r>
               <a:rPr lang="es-419" dirty="0"/>
-              <a:t>Datos disponibles</a:t>
-            </a:r>
-          </a:p>
-        </p:txBody>
-      </p:sp>
-      <p:pic>
-        <p:nvPicPr>
-          <p:cNvPr id="6" name="Picture 5">
-            <a:extLst>
-              <a:ext uri="{FF2B5EF4-FFF2-40B4-BE49-F238E27FC236}">
-                <a16:creationId xmlns:a16="http://schemas.microsoft.com/office/drawing/2014/main" id="{AD4A2B22-A4A8-435A-948E-911DD79155DF}"/>
-              </a:ext>
-            </a:extLst>
-          </p:cNvPr>
-          <p:cNvPicPr>
-            <a:picLocks noChangeAspect="1"/>
-          </p:cNvPicPr>
-          <p:nvPr/>
-        </p:nvPicPr>
-        <p:blipFill rotWithShape="1">
-          <a:blip r:embed="rId2"/>
-          <a:srcRect b="39205"/>
-          <a:stretch/>
-        </p:blipFill>
-        <p:spPr>
-          <a:xfrm>
-            <a:off x="1442623" y="1445427"/>
-            <a:ext cx="5030294" cy="4498173"/>
-          </a:xfrm>
-          <a:prstGeom prst="rect">
-            <a:avLst/>
-          </a:prstGeom>
-        </p:spPr>
-      </p:pic>
-      <p:pic>
-        <p:nvPicPr>
-          <p:cNvPr id="10" name="Picture 9">
-            <a:extLst>
-              <a:ext uri="{FF2B5EF4-FFF2-40B4-BE49-F238E27FC236}">
-                <a16:creationId xmlns:a16="http://schemas.microsoft.com/office/drawing/2014/main" id="{6E980382-EA64-476E-A2F1-992B52EAB9C8}"/>
-              </a:ext>
-            </a:extLst>
-          </p:cNvPr>
-          <p:cNvPicPr>
-            <a:picLocks noChangeAspect="1"/>
-          </p:cNvPicPr>
-          <p:nvPr/>
-        </p:nvPicPr>
-        <p:blipFill rotWithShape="1">
-          <a:blip r:embed="rId2"/>
-          <a:srcRect t="60324"/>
-          <a:stretch/>
-        </p:blipFill>
-        <p:spPr>
-          <a:xfrm>
-            <a:off x="6398212" y="3008006"/>
-            <a:ext cx="5030294" cy="2935594"/>
-          </a:xfrm>
-          <a:prstGeom prst="rect">
-            <a:avLst/>
-          </a:prstGeom>
-        </p:spPr>
-      </p:pic>
-      <p:sp>
-        <p:nvSpPr>
-          <p:cNvPr id="12" name="TextBox 11">
-            <a:extLst>
-              <a:ext uri="{FF2B5EF4-FFF2-40B4-BE49-F238E27FC236}">
-                <a16:creationId xmlns:a16="http://schemas.microsoft.com/office/drawing/2014/main" id="{CD98947B-8340-4720-970C-567695528294}"/>
-              </a:ext>
-            </a:extLst>
-          </p:cNvPr>
-          <p:cNvSpPr txBox="1"/>
-          <p:nvPr/>
-        </p:nvSpPr>
-        <p:spPr>
-          <a:xfrm>
-            <a:off x="0" y="6384744"/>
-            <a:ext cx="10603345" cy="369332"/>
-          </a:xfrm>
-          <a:prstGeom prst="rect">
-            <a:avLst/>
-          </a:prstGeom>
-          <a:noFill/>
-        </p:spPr>
-        <p:txBody>
-          <a:bodyPr wrap="square">
-            <a:spAutoFit/>
-          </a:bodyPr>
-          <a:lstStyle/>
-          <a:p>
-            <a:r>
-              <a:rPr lang="es-419" dirty="0"/>
-              <a:t>https://www.linkedin.com/posts/jeevan-vivek-58805880_yt-opendatasets-activity-6841770285658730496-tCe8</a:t>
-            </a:r>
+              <a:t>IDE “Interface </a:t>
+            </a:r>
+            <a:r>
+              <a:rPr lang="es-419" dirty="0" err="1"/>
+              <a:t>Development</a:t>
+            </a:r>
+            <a:r>
+              <a:rPr lang="es-419" dirty="0"/>
+              <a:t> </a:t>
+            </a:r>
+            <a:r>
+              <a:rPr lang="es-419" dirty="0" err="1"/>
+              <a:t>Enviroment</a:t>
+            </a:r>
+            <a:r>
+              <a:rPr lang="es-419" dirty="0"/>
+              <a:t>”</a:t>
+            </a:r>
+          </a:p>
+        </p:txBody>
+      </p:sp>
+      <p:sp>
+        <p:nvSpPr>
+          <p:cNvPr id="3" name="Content Placeholder 2">
+            <a:extLst>
+              <a:ext uri="{FF2B5EF4-FFF2-40B4-BE49-F238E27FC236}">
+                <a16:creationId xmlns:a16="http://schemas.microsoft.com/office/drawing/2014/main" id="{1A16FE24-E963-4A20-9979-0CC5627DEE75}"/>
+              </a:ext>
+            </a:extLst>
+          </p:cNvPr>
+          <p:cNvSpPr>
+            <a:spLocks noGrp="1"/>
+          </p:cNvSpPr>
+          <p:nvPr>
+            <p:ph idx="1"/>
+          </p:nvPr>
+        </p:nvSpPr>
+        <p:spPr/>
+        <p:txBody>
+          <a:bodyPr/>
+          <a:lstStyle/>
+          <a:p>
+            <a:r>
+              <a:rPr lang="es-419" dirty="0"/>
+              <a:t>Live </a:t>
+            </a:r>
+            <a:r>
+              <a:rPr lang="es-419" dirty="0" err="1"/>
+              <a:t>Coding</a:t>
+            </a:r>
+            <a:endParaRPr lang="es-419" dirty="0"/>
+          </a:p>
+          <a:p>
+            <a:pPr lvl="1"/>
+            <a:r>
+              <a:rPr lang="es-419" dirty="0" err="1"/>
+              <a:t>PyCharm</a:t>
+            </a:r>
+            <a:r>
+              <a:rPr lang="es-419" dirty="0"/>
+              <a:t> </a:t>
+            </a:r>
+          </a:p>
+          <a:p>
+            <a:pPr lvl="1"/>
+            <a:r>
+              <a:rPr lang="es-419" dirty="0"/>
+              <a:t>Spyder </a:t>
+            </a:r>
+          </a:p>
+          <a:p>
+            <a:pPr lvl="1"/>
+            <a:r>
+              <a:rPr lang="es-419" dirty="0" err="1"/>
+              <a:t>GoogleColab</a:t>
+            </a:r>
+            <a:endParaRPr lang="es-419" dirty="0"/>
+          </a:p>
+          <a:p>
+            <a:pPr lvl="1"/>
+            <a:r>
+              <a:rPr lang="es-419" dirty="0" err="1"/>
+              <a:t>Jupyter</a:t>
+            </a:r>
+            <a:r>
+              <a:rPr lang="es-419" dirty="0"/>
+              <a:t> Notebook </a:t>
+            </a:r>
+          </a:p>
+          <a:p>
+            <a:pPr lvl="2"/>
+            <a:r>
+              <a:rPr lang="es-419" dirty="0"/>
+              <a:t>Fundamentos</a:t>
+            </a:r>
+          </a:p>
+          <a:p>
+            <a:pPr marL="457200" lvl="1" indent="0">
+              <a:buNone/>
+            </a:pPr>
+            <a:endParaRPr lang="es-419" dirty="0"/>
           </a:p>
         </p:txBody>
       </p:sp>
     </p:spTree>
     <p:extLst>
       <p:ext uri="{BB962C8B-B14F-4D97-AF65-F5344CB8AC3E}">
-        <p14:creationId xmlns:p14="http://schemas.microsoft.com/office/powerpoint/2010/main" val="1016049309"/>
+        <p14:creationId xmlns:p14="http://schemas.microsoft.com/office/powerpoint/2010/main" val="1525028383"/>
       </p:ext>
     </p:extLst>
   </p:cSld>
